--- a/2025/2025-09-19-AI-Updates.pptx
+++ b/2025/2025-09-19-AI-Updates.pptx
@@ -5,7 +5,7 @@
     <p:sldMasterId id="2147483661" r:id="rId1"/>
   </p:sldMasterIdLst>
   <p:notesMasterIdLst>
-    <p:notesMasterId r:id="rId31"/>
+    <p:notesMasterId r:id="rId32"/>
   </p:notesMasterIdLst>
   <p:sldIdLst>
     <p:sldId id="256" r:id="rId2"/>
@@ -37,16 +37,17 @@
     <p:sldId id="282" r:id="rId28"/>
     <p:sldId id="283" r:id="rId29"/>
     <p:sldId id="284" r:id="rId30"/>
+    <p:sldId id="285" r:id="rId31"/>
   </p:sldIdLst>
   <p:sldSz cx="9144000" cy="5143500" type="screen16x9"/>
   <p:notesSz cx="6858000" cy="9144000"/>
   <p:embeddedFontLst>
     <p:embeddedFont>
       <p:font typeface="Roboto Mono" pitchFamily="49" charset="0"/>
-      <p:regular r:id="rId32"/>
-      <p:bold r:id="rId33"/>
-      <p:italic r:id="rId34"/>
-      <p:boldItalic r:id="rId35"/>
+      <p:regular r:id="rId33"/>
+      <p:bold r:id="rId34"/>
+      <p:italic r:id="rId35"/>
+      <p:boldItalic r:id="rId36"/>
     </p:embeddedFont>
   </p:embeddedFontLst>
   <p:defaultTextStyle>
@@ -278,6 +279,11 @@
       </a:defRPr>
     </a:lvl9pPr>
   </p:defaultTextStyle>
+  <p:extLst>
+    <p:ext uri="{EFAFB233-063F-42B5-8137-9DF3F51BA10A}">
+      <p15:sldGuideLst xmlns:p15="http://schemas.microsoft.com/office/powerpoint/2012/main"/>
+    </p:ext>
+  </p:extLst>
 </p:presentation>
 </file>
 
@@ -3197,7 +3203,7 @@
       </p:grpSpPr>
       <p:sp>
         <p:nvSpPr>
-          <p:cNvPr id="380" name="Google Shape;380;p23:notes"/>
+          <p:cNvPr id="380" name="Google Shape;380;g380daf1fc48_0_0:notes"/>
           <p:cNvSpPr>
             <a:spLocks noGrp="1" noRot="1" noChangeAspect="1"/>
           </p:cNvSpPr>
@@ -3248,7 +3254,7 @@
       </p:sp>
       <p:sp>
         <p:nvSpPr>
-          <p:cNvPr id="381" name="Google Shape;381;p23:notes"/>
+          <p:cNvPr id="381" name="Google Shape;381;g380daf1fc48_0_0:notes"/>
           <p:cNvSpPr txBox="1">
             <a:spLocks noGrp="1"/>
           </p:cNvSpPr>
@@ -3305,7 +3311,7 @@
   <p:cSld>
     <p:spTree>
       <p:nvGrpSpPr>
-        <p:cNvPr id="1" name="Shape 390"/>
+        <p:cNvPr id="1" name="Shape 387"/>
         <p:cNvGrpSpPr/>
         <p:nvPr/>
       </p:nvGrpSpPr>
@@ -3319,7 +3325,7 @@
       </p:grpSpPr>
       <p:sp>
         <p:nvSpPr>
-          <p:cNvPr id="391" name="Google Shape;391;p24:notes"/>
+          <p:cNvPr id="388" name="Google Shape;388;p23:notes"/>
           <p:cNvSpPr>
             <a:spLocks noGrp="1" noRot="1" noChangeAspect="1"/>
           </p:cNvSpPr>
@@ -3370,7 +3376,7 @@
       </p:sp>
       <p:sp>
         <p:nvSpPr>
-          <p:cNvPr id="392" name="Google Shape;392;p24:notes"/>
+          <p:cNvPr id="389" name="Google Shape;389;p23:notes"/>
           <p:cNvSpPr txBox="1">
             <a:spLocks noGrp="1"/>
           </p:cNvSpPr>
@@ -3427,7 +3433,7 @@
   <p:cSld>
     <p:spTree>
       <p:nvGrpSpPr>
-        <p:cNvPr id="1" name="Shape 400"/>
+        <p:cNvPr id="1" name="Shape 398"/>
         <p:cNvGrpSpPr/>
         <p:nvPr/>
       </p:nvGrpSpPr>
@@ -3441,7 +3447,251 @@
       </p:grpSpPr>
       <p:sp>
         <p:nvSpPr>
-          <p:cNvPr id="401" name="Google Shape;401;p25:notes"/>
+          <p:cNvPr id="399" name="Google Shape;399;p24:notes"/>
+          <p:cNvSpPr>
+            <a:spLocks noGrp="1" noRot="1" noChangeAspect="1"/>
+          </p:cNvSpPr>
+          <p:nvPr>
+            <p:ph type="sldImg" idx="2"/>
+          </p:nvPr>
+        </p:nvSpPr>
+        <p:spPr>
+          <a:xfrm>
+            <a:off x="381000" y="685800"/>
+            <a:ext cx="6096000" cy="3429000"/>
+          </a:xfrm>
+          <a:custGeom>
+            <a:avLst/>
+            <a:gdLst/>
+            <a:ahLst/>
+            <a:cxnLst/>
+            <a:rect l="l" t="t" r="r" b="b"/>
+            <a:pathLst>
+              <a:path w="120000" h="120000" extrusionOk="0">
+                <a:moveTo>
+                  <a:pt x="0" y="0"/>
+                </a:moveTo>
+                <a:lnTo>
+                  <a:pt x="120000" y="0"/>
+                </a:lnTo>
+                <a:lnTo>
+                  <a:pt x="120000" y="120000"/>
+                </a:lnTo>
+                <a:lnTo>
+                  <a:pt x="0" y="120000"/>
+                </a:lnTo>
+                <a:close/>
+              </a:path>
+            </a:pathLst>
+          </a:custGeom>
+          <a:noFill/>
+          <a:ln w="9525" cap="flat" cmpd="sng">
+            <a:solidFill>
+              <a:srgbClr val="000000"/>
+            </a:solidFill>
+            <a:prstDash val="solid"/>
+            <a:round/>
+            <a:headEnd type="none" w="sm" len="sm"/>
+            <a:tailEnd type="none" w="sm" len="sm"/>
+          </a:ln>
+        </p:spPr>
+      </p:sp>
+      <p:sp>
+        <p:nvSpPr>
+          <p:cNvPr id="400" name="Google Shape;400;p24:notes"/>
+          <p:cNvSpPr txBox="1">
+            <a:spLocks noGrp="1"/>
+          </p:cNvSpPr>
+          <p:nvPr>
+            <p:ph type="body" idx="1"/>
+          </p:nvPr>
+        </p:nvSpPr>
+        <p:spPr>
+          <a:xfrm>
+            <a:off x="685800" y="4343400"/>
+            <a:ext cx="5486400" cy="4114800"/>
+          </a:xfrm>
+          <a:prstGeom prst="rect">
+            <a:avLst/>
+          </a:prstGeom>
+          <a:noFill/>
+          <a:ln>
+            <a:noFill/>
+          </a:ln>
+        </p:spPr>
+        <p:txBody>
+          <a:bodyPr spcFirstLastPara="1" wrap="square" lIns="91425" tIns="91425" rIns="91425" bIns="91425" anchor="t" anchorCtr="0">
+            <a:noAutofit/>
+          </a:bodyPr>
+          <a:lstStyle/>
+          <a:p>
+            <a:pPr marL="0" lvl="0" indent="0" algn="l" rtl="0">
+              <a:lnSpc>
+                <a:spcPct val="100000"/>
+              </a:lnSpc>
+              <a:spcBef>
+                <a:spcPts val="0"/>
+              </a:spcBef>
+              <a:spcAft>
+                <a:spcPts val="0"/>
+              </a:spcAft>
+              <a:buSzPts val="1100"/>
+              <a:buNone/>
+            </a:pPr>
+            <a:endParaRPr/>
+          </a:p>
+        </p:txBody>
+      </p:sp>
+    </p:spTree>
+  </p:cSld>
+  <p:clrMapOvr>
+    <a:masterClrMapping/>
+  </p:clrMapOvr>
+</p:notes>
+</file>
+
+<file path=ppt/notesSlides/notesSlide3.xml><?xml version="1.0" encoding="utf-8"?>
+<p:notes xmlns:a="http://schemas.openxmlformats.org/drawingml/2006/main" xmlns:r="http://schemas.openxmlformats.org/officeDocument/2006/relationships" xmlns:p="http://schemas.openxmlformats.org/presentationml/2006/main" showMasterSp="0" showMasterPhAnim="0">
+  <p:cSld>
+    <p:spTree>
+      <p:nvGrpSpPr>
+        <p:cNvPr id="1" name="Shape 78"/>
+        <p:cNvGrpSpPr/>
+        <p:nvPr/>
+      </p:nvGrpSpPr>
+      <p:grpSpPr>
+        <a:xfrm>
+          <a:off x="0" y="0"/>
+          <a:ext cx="0" cy="0"/>
+          <a:chOff x="0" y="0"/>
+          <a:chExt cx="0" cy="0"/>
+        </a:xfrm>
+      </p:grpSpPr>
+      <p:sp>
+        <p:nvSpPr>
+          <p:cNvPr id="79" name="Google Shape;79;p22:notes"/>
+          <p:cNvSpPr>
+            <a:spLocks noGrp="1" noRot="1" noChangeAspect="1"/>
+          </p:cNvSpPr>
+          <p:nvPr>
+            <p:ph type="sldImg" idx="2"/>
+          </p:nvPr>
+        </p:nvSpPr>
+        <p:spPr>
+          <a:xfrm>
+            <a:off x="381000" y="685800"/>
+            <a:ext cx="6096000" cy="3429000"/>
+          </a:xfrm>
+          <a:custGeom>
+            <a:avLst/>
+            <a:gdLst/>
+            <a:ahLst/>
+            <a:cxnLst/>
+            <a:rect l="l" t="t" r="r" b="b"/>
+            <a:pathLst>
+              <a:path w="120000" h="120000" extrusionOk="0">
+                <a:moveTo>
+                  <a:pt x="0" y="0"/>
+                </a:moveTo>
+                <a:lnTo>
+                  <a:pt x="120000" y="0"/>
+                </a:lnTo>
+                <a:lnTo>
+                  <a:pt x="120000" y="120000"/>
+                </a:lnTo>
+                <a:lnTo>
+                  <a:pt x="0" y="120000"/>
+                </a:lnTo>
+                <a:close/>
+              </a:path>
+            </a:pathLst>
+          </a:custGeom>
+          <a:noFill/>
+          <a:ln w="9525" cap="flat" cmpd="sng">
+            <a:solidFill>
+              <a:srgbClr val="000000"/>
+            </a:solidFill>
+            <a:prstDash val="solid"/>
+            <a:round/>
+            <a:headEnd type="none" w="sm" len="sm"/>
+            <a:tailEnd type="none" w="sm" len="sm"/>
+          </a:ln>
+        </p:spPr>
+      </p:sp>
+      <p:sp>
+        <p:nvSpPr>
+          <p:cNvPr id="80" name="Google Shape;80;p22:notes"/>
+          <p:cNvSpPr txBox="1">
+            <a:spLocks noGrp="1"/>
+          </p:cNvSpPr>
+          <p:nvPr>
+            <p:ph type="body" idx="1"/>
+          </p:nvPr>
+        </p:nvSpPr>
+        <p:spPr>
+          <a:xfrm>
+            <a:off x="685800" y="4343400"/>
+            <a:ext cx="5486400" cy="4114800"/>
+          </a:xfrm>
+          <a:prstGeom prst="rect">
+            <a:avLst/>
+          </a:prstGeom>
+          <a:noFill/>
+          <a:ln>
+            <a:noFill/>
+          </a:ln>
+        </p:spPr>
+        <p:txBody>
+          <a:bodyPr spcFirstLastPara="1" wrap="square" lIns="91425" tIns="91425" rIns="91425" bIns="91425" anchor="t" anchorCtr="0">
+            <a:noAutofit/>
+          </a:bodyPr>
+          <a:lstStyle/>
+          <a:p>
+            <a:pPr marL="0" lvl="0" indent="0" algn="l" rtl="0">
+              <a:lnSpc>
+                <a:spcPct val="100000"/>
+              </a:lnSpc>
+              <a:spcBef>
+                <a:spcPts val="0"/>
+              </a:spcBef>
+              <a:spcAft>
+                <a:spcPts val="0"/>
+              </a:spcAft>
+              <a:buSzPts val="1100"/>
+              <a:buNone/>
+            </a:pPr>
+            <a:endParaRPr/>
+          </a:p>
+        </p:txBody>
+      </p:sp>
+    </p:spTree>
+  </p:cSld>
+  <p:clrMapOvr>
+    <a:masterClrMapping/>
+  </p:clrMapOvr>
+</p:notes>
+</file>
+
+<file path=ppt/notesSlides/notesSlide30.xml><?xml version="1.0" encoding="utf-8"?>
+<p:notes xmlns:a="http://schemas.openxmlformats.org/drawingml/2006/main" xmlns:r="http://schemas.openxmlformats.org/officeDocument/2006/relationships" xmlns:p="http://schemas.openxmlformats.org/presentationml/2006/main" showMasterSp="0" showMasterPhAnim="0">
+  <p:cSld>
+    <p:spTree>
+      <p:nvGrpSpPr>
+        <p:cNvPr id="1" name="Shape 408"/>
+        <p:cNvGrpSpPr/>
+        <p:nvPr/>
+      </p:nvGrpSpPr>
+      <p:grpSpPr>
+        <a:xfrm>
+          <a:off x="0" y="0"/>
+          <a:ext cx="0" cy="0"/>
+          <a:chOff x="0" y="0"/>
+          <a:chExt cx="0" cy="0"/>
+        </a:xfrm>
+      </p:grpSpPr>
+      <p:sp>
+        <p:nvSpPr>
+          <p:cNvPr id="409" name="Google Shape;409;p25:notes"/>
           <p:cNvSpPr>
             <a:spLocks noGrp="1" noRot="1" noChangeAspect="1"/>
           </p:cNvSpPr>
@@ -3492,129 +3742,7 @@
       </p:sp>
       <p:sp>
         <p:nvSpPr>
-          <p:cNvPr id="402" name="Google Shape;402;p25:notes"/>
-          <p:cNvSpPr txBox="1">
-            <a:spLocks noGrp="1"/>
-          </p:cNvSpPr>
-          <p:nvPr>
-            <p:ph type="body" idx="1"/>
-          </p:nvPr>
-        </p:nvSpPr>
-        <p:spPr>
-          <a:xfrm>
-            <a:off x="685800" y="4343400"/>
-            <a:ext cx="5486400" cy="4114800"/>
-          </a:xfrm>
-          <a:prstGeom prst="rect">
-            <a:avLst/>
-          </a:prstGeom>
-          <a:noFill/>
-          <a:ln>
-            <a:noFill/>
-          </a:ln>
-        </p:spPr>
-        <p:txBody>
-          <a:bodyPr spcFirstLastPara="1" wrap="square" lIns="91425" tIns="91425" rIns="91425" bIns="91425" anchor="t" anchorCtr="0">
-            <a:noAutofit/>
-          </a:bodyPr>
-          <a:lstStyle/>
-          <a:p>
-            <a:pPr marL="0" lvl="0" indent="0" algn="l" rtl="0">
-              <a:lnSpc>
-                <a:spcPct val="100000"/>
-              </a:lnSpc>
-              <a:spcBef>
-                <a:spcPts val="0"/>
-              </a:spcBef>
-              <a:spcAft>
-                <a:spcPts val="0"/>
-              </a:spcAft>
-              <a:buSzPts val="1100"/>
-              <a:buNone/>
-            </a:pPr>
-            <a:endParaRPr/>
-          </a:p>
-        </p:txBody>
-      </p:sp>
-    </p:spTree>
-  </p:cSld>
-  <p:clrMapOvr>
-    <a:masterClrMapping/>
-  </p:clrMapOvr>
-</p:notes>
-</file>
-
-<file path=ppt/notesSlides/notesSlide3.xml><?xml version="1.0" encoding="utf-8"?>
-<p:notes xmlns:a="http://schemas.openxmlformats.org/drawingml/2006/main" xmlns:r="http://schemas.openxmlformats.org/officeDocument/2006/relationships" xmlns:p="http://schemas.openxmlformats.org/presentationml/2006/main" showMasterSp="0" showMasterPhAnim="0">
-  <p:cSld>
-    <p:spTree>
-      <p:nvGrpSpPr>
-        <p:cNvPr id="1" name="Shape 78"/>
-        <p:cNvGrpSpPr/>
-        <p:nvPr/>
-      </p:nvGrpSpPr>
-      <p:grpSpPr>
-        <a:xfrm>
-          <a:off x="0" y="0"/>
-          <a:ext cx="0" cy="0"/>
-          <a:chOff x="0" y="0"/>
-          <a:chExt cx="0" cy="0"/>
-        </a:xfrm>
-      </p:grpSpPr>
-      <p:sp>
-        <p:nvSpPr>
-          <p:cNvPr id="79" name="Google Shape;79;p22:notes"/>
-          <p:cNvSpPr>
-            <a:spLocks noGrp="1" noRot="1" noChangeAspect="1"/>
-          </p:cNvSpPr>
-          <p:nvPr>
-            <p:ph type="sldImg" idx="2"/>
-          </p:nvPr>
-        </p:nvSpPr>
-        <p:spPr>
-          <a:xfrm>
-            <a:off x="381300" y="685800"/>
-            <a:ext cx="6096000" cy="3429000"/>
-          </a:xfrm>
-          <a:custGeom>
-            <a:avLst/>
-            <a:gdLst/>
-            <a:ahLst/>
-            <a:cxnLst/>
-            <a:rect l="l" t="t" r="r" b="b"/>
-            <a:pathLst>
-              <a:path w="120000" h="120000" extrusionOk="0">
-                <a:moveTo>
-                  <a:pt x="0" y="0"/>
-                </a:moveTo>
-                <a:lnTo>
-                  <a:pt x="120000" y="0"/>
-                </a:lnTo>
-                <a:lnTo>
-                  <a:pt x="120000" y="120000"/>
-                </a:lnTo>
-                <a:lnTo>
-                  <a:pt x="0" y="120000"/>
-                </a:lnTo>
-                <a:close/>
-              </a:path>
-            </a:pathLst>
-          </a:custGeom>
-          <a:noFill/>
-          <a:ln w="9525" cap="flat" cmpd="sng">
-            <a:solidFill>
-              <a:srgbClr val="000000"/>
-            </a:solidFill>
-            <a:prstDash val="solid"/>
-            <a:round/>
-            <a:headEnd type="none" w="sm" len="sm"/>
-            <a:tailEnd type="none" w="sm" len="sm"/>
-          </a:ln>
-        </p:spPr>
-      </p:sp>
-      <p:sp>
-        <p:nvSpPr>
-          <p:cNvPr id="80" name="Google Shape;80;p22:notes"/>
+          <p:cNvPr id="410" name="Google Shape;410;p25:notes"/>
           <p:cNvSpPr txBox="1">
             <a:spLocks noGrp="1"/>
           </p:cNvSpPr>
@@ -14171,7 +14299,7 @@
                 <a:cs typeface="Calibri"/>
                 <a:sym typeface="Calibri"/>
               </a:rPr>
-              <a:t>OOP Is Dead - Long Live ECS</a:t>
+              <a:t>Why Entrepreneurship is Safer Than Employment</a:t>
             </a:r>
             <a:endParaRPr b="1">
               <a:solidFill>
@@ -14919,8 +15047,8 @@
         </p:nvSpPr>
         <p:spPr>
           <a:xfrm>
-            <a:off x="4576975" y="935013"/>
-            <a:ext cx="4502400" cy="3681900"/>
+            <a:off x="4576975" y="736893"/>
+            <a:ext cx="4502400" cy="3897300"/>
           </a:xfrm>
           <a:prstGeom prst="rect">
             <a:avLst/>
@@ -15636,6 +15764,46 @@
               <a:sym typeface="Calibri"/>
             </a:endParaRPr>
           </a:p>
+          <a:p>
+            <a:pPr marL="228600" marR="0" lvl="0" indent="-203200" algn="l" rtl="0">
+              <a:lnSpc>
+                <a:spcPct val="100000"/>
+              </a:lnSpc>
+              <a:spcBef>
+                <a:spcPts val="0"/>
+              </a:spcBef>
+              <a:spcAft>
+                <a:spcPts val="0"/>
+              </a:spcAft>
+              <a:buClr>
+                <a:srgbClr val="3C78D8"/>
+              </a:buClr>
+              <a:buSzPts val="1400"/>
+              <a:buFont typeface="Calibri"/>
+              <a:buChar char="●"/>
+            </a:pPr>
+            <a:r>
+              <a:rPr lang="en" b="1">
+                <a:solidFill>
+                  <a:srgbClr val="3C78D8"/>
+                </a:solidFill>
+                <a:latin typeface="Calibri"/>
+                <a:ea typeface="Calibri"/>
+                <a:cs typeface="Calibri"/>
+                <a:sym typeface="Calibri"/>
+              </a:rPr>
+              <a:t>OOP Is Dead - Long Live ECS</a:t>
+            </a:r>
+            <a:endParaRPr b="1">
+              <a:solidFill>
+                <a:srgbClr val="3C78D8"/>
+              </a:solidFill>
+              <a:latin typeface="Calibri"/>
+              <a:ea typeface="Calibri"/>
+              <a:cs typeface="Calibri"/>
+              <a:sym typeface="Calibri"/>
+            </a:endParaRPr>
+          </a:p>
         </p:txBody>
       </p:sp>
       <p:sp>
@@ -15646,7 +15814,7 @@
         </p:nvSpPr>
         <p:spPr>
           <a:xfrm>
-            <a:off x="4577150" y="70625"/>
+            <a:off x="4577150" y="24905"/>
             <a:ext cx="4502400" cy="695700"/>
           </a:xfrm>
           <a:prstGeom prst="rect">
@@ -29677,6 +29845,1145 @@
         </p:nvSpPr>
         <p:spPr>
           <a:xfrm>
+            <a:off x="55075" y="-9225"/>
+            <a:ext cx="4943700" cy="295500"/>
+          </a:xfrm>
+          <a:prstGeom prst="rect">
+            <a:avLst/>
+          </a:prstGeom>
+          <a:noFill/>
+          <a:ln>
+            <a:noFill/>
+          </a:ln>
+        </p:spPr>
+        <p:txBody>
+          <a:bodyPr spcFirstLastPara="1" wrap="square" lIns="9125" tIns="9125" rIns="9125" bIns="9125" anchor="t" anchorCtr="0">
+            <a:spAutoFit/>
+          </a:bodyPr>
+          <a:lstStyle/>
+          <a:p>
+            <a:pPr marL="0" marR="0" lvl="0" indent="0" algn="l" rtl="0">
+              <a:lnSpc>
+                <a:spcPct val="100000"/>
+              </a:lnSpc>
+              <a:spcBef>
+                <a:spcPts val="0"/>
+              </a:spcBef>
+              <a:spcAft>
+                <a:spcPts val="0"/>
+              </a:spcAft>
+              <a:buClr>
+                <a:schemeClr val="dk1"/>
+              </a:buClr>
+              <a:buSzPts val="1100"/>
+              <a:buFont typeface="Arial"/>
+              <a:buNone/>
+            </a:pPr>
+            <a:r>
+              <a:rPr lang="en" sz="1800" b="1">
+                <a:solidFill>
+                  <a:schemeClr val="dk1"/>
+                </a:solidFill>
+                <a:latin typeface="Calibri"/>
+                <a:ea typeface="Calibri"/>
+                <a:cs typeface="Calibri"/>
+                <a:sym typeface="Calibri"/>
+              </a:rPr>
+              <a:t>Why Entrepreneurship is Safer Than Employment</a:t>
+            </a:r>
+            <a:endParaRPr sz="1800" b="1" i="0" u="none" strike="noStrike" cap="none">
+              <a:solidFill>
+                <a:schemeClr val="dk1"/>
+              </a:solidFill>
+              <a:latin typeface="Calibri"/>
+              <a:ea typeface="Calibri"/>
+              <a:cs typeface="Calibri"/>
+              <a:sym typeface="Calibri"/>
+            </a:endParaRPr>
+          </a:p>
+        </p:txBody>
+      </p:sp>
+      <p:sp>
+        <p:nvSpPr>
+          <p:cNvPr id="384" name="Google Shape;384;p41"/>
+          <p:cNvSpPr txBox="1"/>
+          <p:nvPr/>
+        </p:nvSpPr>
+        <p:spPr>
+          <a:xfrm>
+            <a:off x="70525" y="416475"/>
+            <a:ext cx="4459500" cy="4636200"/>
+          </a:xfrm>
+          <a:prstGeom prst="rect">
+            <a:avLst/>
+          </a:prstGeom>
+          <a:solidFill>
+            <a:srgbClr val="FFF2CC"/>
+          </a:solidFill>
+          <a:ln w="9525" cap="flat" cmpd="sng">
+            <a:solidFill>
+              <a:srgbClr val="FF0000"/>
+            </a:solidFill>
+            <a:prstDash val="solid"/>
+            <a:round/>
+            <a:headEnd type="none" w="sm" len="sm"/>
+            <a:tailEnd type="none" w="sm" len="sm"/>
+          </a:ln>
+        </p:spPr>
+        <p:txBody>
+          <a:bodyPr spcFirstLastPara="1" wrap="square" lIns="9125" tIns="9125" rIns="9125" bIns="9125" anchor="t" anchorCtr="0">
+            <a:spAutoFit/>
+          </a:bodyPr>
+          <a:lstStyle/>
+          <a:p>
+            <a:pPr marL="171450" marR="0" lvl="0" indent="-120650" algn="l" rtl="0">
+              <a:lnSpc>
+                <a:spcPct val="100000"/>
+              </a:lnSpc>
+              <a:spcBef>
+                <a:spcPts val="0"/>
+              </a:spcBef>
+              <a:spcAft>
+                <a:spcPts val="0"/>
+              </a:spcAft>
+              <a:buClr>
+                <a:srgbClr val="FF0000"/>
+              </a:buClr>
+              <a:buSzPts val="1000"/>
+              <a:buFont typeface="Calibri"/>
+              <a:buChar char="●"/>
+            </a:pPr>
+            <a:r>
+              <a:rPr lang="en" sz="1000" b="1">
+                <a:solidFill>
+                  <a:srgbClr val="FF0000"/>
+                </a:solidFill>
+                <a:latin typeface="Calibri"/>
+                <a:ea typeface="Calibri"/>
+                <a:cs typeface="Calibri"/>
+                <a:sym typeface="Calibri"/>
+              </a:rPr>
+              <a:t>The Great Career Inversion - by Peter Diamandis</a:t>
+            </a:r>
+            <a:endParaRPr sz="1000" b="1">
+              <a:solidFill>
+                <a:srgbClr val="FF0000"/>
+              </a:solidFill>
+              <a:latin typeface="Calibri"/>
+              <a:ea typeface="Calibri"/>
+              <a:cs typeface="Calibri"/>
+              <a:sym typeface="Calibri"/>
+            </a:endParaRPr>
+          </a:p>
+          <a:p>
+            <a:pPr marL="171450" marR="0" lvl="0" indent="-120650" algn="l" rtl="0">
+              <a:lnSpc>
+                <a:spcPct val="100000"/>
+              </a:lnSpc>
+              <a:spcBef>
+                <a:spcPts val="0"/>
+              </a:spcBef>
+              <a:spcAft>
+                <a:spcPts val="0"/>
+              </a:spcAft>
+              <a:buClr>
+                <a:schemeClr val="dk1"/>
+              </a:buClr>
+              <a:buSzPts val="1000"/>
+              <a:buFont typeface="Calibri"/>
+              <a:buChar char="●"/>
+            </a:pPr>
+            <a:r>
+              <a:rPr lang="en" sz="1000">
+                <a:solidFill>
+                  <a:schemeClr val="dk1"/>
+                </a:solidFill>
+                <a:latin typeface="Calibri"/>
+                <a:ea typeface="Calibri"/>
+                <a:cs typeface="Calibri"/>
+                <a:sym typeface="Calibri"/>
+              </a:rPr>
+              <a:t>Here are five contrarian insights about career safety in 2025 that most people get backwards:</a:t>
+            </a:r>
+            <a:endParaRPr sz="1000">
+              <a:solidFill>
+                <a:schemeClr val="dk1"/>
+              </a:solidFill>
+              <a:latin typeface="Calibri"/>
+              <a:ea typeface="Calibri"/>
+              <a:cs typeface="Calibri"/>
+              <a:sym typeface="Calibri"/>
+            </a:endParaRPr>
+          </a:p>
+          <a:p>
+            <a:pPr marL="171450" marR="0" lvl="0" indent="-120650" algn="l" rtl="0">
+              <a:lnSpc>
+                <a:spcPct val="100000"/>
+              </a:lnSpc>
+              <a:spcBef>
+                <a:spcPts val="0"/>
+              </a:spcBef>
+              <a:spcAft>
+                <a:spcPts val="0"/>
+              </a:spcAft>
+              <a:buClr>
+                <a:schemeClr val="dk1"/>
+              </a:buClr>
+              <a:buSzPts val="1000"/>
+              <a:buFont typeface="Calibri"/>
+              <a:buChar char="●"/>
+            </a:pPr>
+            <a:r>
+              <a:rPr lang="en" sz="1000" b="1">
+                <a:solidFill>
+                  <a:srgbClr val="FF0000"/>
+                </a:solidFill>
+                <a:latin typeface="Calibri"/>
+                <a:ea typeface="Calibri"/>
+                <a:cs typeface="Calibri"/>
+                <a:sym typeface="Calibri"/>
+              </a:rPr>
+              <a:t>1/ College debt is now riskier than startup equity. </a:t>
+            </a:r>
+            <a:br>
+              <a:rPr lang="en" sz="1000">
+                <a:solidFill>
+                  <a:schemeClr val="dk1"/>
+                </a:solidFill>
+                <a:latin typeface="Calibri"/>
+                <a:ea typeface="Calibri"/>
+                <a:cs typeface="Calibri"/>
+                <a:sym typeface="Calibri"/>
+              </a:rPr>
+            </a:br>
+            <a:r>
+              <a:rPr lang="en" sz="1000">
+                <a:solidFill>
+                  <a:schemeClr val="dk1"/>
+                </a:solidFill>
+                <a:latin typeface="Calibri"/>
+                <a:ea typeface="Calibri"/>
+                <a:cs typeface="Calibri"/>
+                <a:sym typeface="Calibri"/>
+              </a:rPr>
+              <a:t>The math is simple but brutal:</a:t>
+            </a:r>
+            <a:br>
+              <a:rPr lang="en" sz="1000">
+                <a:solidFill>
+                  <a:schemeClr val="dk1"/>
+                </a:solidFill>
+                <a:latin typeface="Calibri"/>
+                <a:ea typeface="Calibri"/>
+                <a:cs typeface="Calibri"/>
+                <a:sym typeface="Calibri"/>
+              </a:rPr>
+            </a:br>
+            <a:r>
+              <a:rPr lang="en" sz="1000">
+                <a:solidFill>
+                  <a:schemeClr val="dk1"/>
+                </a:solidFill>
+                <a:latin typeface="Calibri"/>
+                <a:ea typeface="Calibri"/>
+                <a:cs typeface="Calibri"/>
+                <a:sym typeface="Calibri"/>
+              </a:rPr>
+              <a:t>$250k in student loans for a degree thatmight be obsolete in four years versus equity in a company you control (or co-found). </a:t>
+            </a:r>
+            <a:br>
+              <a:rPr lang="en" sz="1000">
+                <a:solidFill>
+                  <a:schemeClr val="dk1"/>
+                </a:solidFill>
+                <a:latin typeface="Calibri"/>
+                <a:ea typeface="Calibri"/>
+                <a:cs typeface="Calibri"/>
+                <a:sym typeface="Calibri"/>
+              </a:rPr>
+            </a:br>
+            <a:r>
+              <a:rPr lang="en" sz="1000">
+                <a:solidFill>
+                  <a:schemeClr val="dk1"/>
+                </a:solidFill>
+                <a:latin typeface="Calibri"/>
+                <a:ea typeface="Calibri"/>
+                <a:cs typeface="Calibri"/>
+                <a:sym typeface="Calibri"/>
+              </a:rPr>
+              <a:t>We've reached the tipping point where taking on massive educational debt is the speculative bet, versus starting a company.</a:t>
+            </a:r>
+            <a:br>
+              <a:rPr lang="en" sz="1000">
+                <a:solidFill>
+                  <a:schemeClr val="dk1"/>
+                </a:solidFill>
+                <a:latin typeface="Calibri"/>
+                <a:ea typeface="Calibri"/>
+                <a:cs typeface="Calibri"/>
+                <a:sym typeface="Calibri"/>
+              </a:rPr>
+            </a:br>
+            <a:r>
+              <a:rPr lang="en" sz="1000">
+                <a:solidFill>
+                  <a:schemeClr val="dk1"/>
+                </a:solidFill>
+                <a:latin typeface="Calibri"/>
+                <a:ea typeface="Calibri"/>
+                <a:cs typeface="Calibri"/>
+                <a:sym typeface="Calibri"/>
+              </a:rPr>
+              <a:t>The "safe” (traditional) path requires you to believe that industries won't be disrupted (not true, they all will be), that your specific skills will remain valuable (they will fade rapidly), and that you'll earn enough to service debt that compounds faster than most startups burn cash (hmmm…).</a:t>
+            </a:r>
+            <a:endParaRPr sz="1000">
+              <a:solidFill>
+                <a:schemeClr val="dk1"/>
+              </a:solidFill>
+              <a:latin typeface="Calibri"/>
+              <a:ea typeface="Calibri"/>
+              <a:cs typeface="Calibri"/>
+              <a:sym typeface="Calibri"/>
+            </a:endParaRPr>
+          </a:p>
+          <a:p>
+            <a:pPr marL="171450" marR="0" lvl="0" indent="-120650" algn="l" rtl="0">
+              <a:lnSpc>
+                <a:spcPct val="100000"/>
+              </a:lnSpc>
+              <a:spcBef>
+                <a:spcPts val="0"/>
+              </a:spcBef>
+              <a:spcAft>
+                <a:spcPts val="0"/>
+              </a:spcAft>
+              <a:buClr>
+                <a:schemeClr val="dk1"/>
+              </a:buClr>
+              <a:buSzPts val="1000"/>
+              <a:buFont typeface="Calibri"/>
+              <a:buChar char="●"/>
+            </a:pPr>
+            <a:r>
+              <a:rPr lang="en" sz="1000" b="1">
+                <a:solidFill>
+                  <a:srgbClr val="FF0000"/>
+                </a:solidFill>
+                <a:latin typeface="Calibri"/>
+                <a:ea typeface="Calibri"/>
+                <a:cs typeface="Calibri"/>
+                <a:sym typeface="Calibri"/>
+              </a:rPr>
+              <a:t>2/ Employment security is an illusion in exponential times. </a:t>
+            </a:r>
+            <a:br>
+              <a:rPr lang="en" sz="1000">
+                <a:solidFill>
+                  <a:schemeClr val="dk1"/>
+                </a:solidFill>
+                <a:latin typeface="Calibri"/>
+                <a:ea typeface="Calibri"/>
+                <a:cs typeface="Calibri"/>
+                <a:sym typeface="Calibri"/>
+              </a:rPr>
+            </a:br>
+            <a:r>
+              <a:rPr lang="en" sz="1000">
+                <a:solidFill>
+                  <a:schemeClr val="dk1"/>
+                </a:solidFill>
+                <a:latin typeface="Calibri"/>
+                <a:ea typeface="Calibri"/>
+                <a:cs typeface="Calibri"/>
+                <a:sym typeface="Calibri"/>
+              </a:rPr>
+              <a:t>Job security died when the half-life of skills dropped below the half-life of careers. </a:t>
+            </a:r>
+            <a:br>
+              <a:rPr lang="en" sz="1000">
+                <a:solidFill>
+                  <a:schemeClr val="dk1"/>
+                </a:solidFill>
+                <a:latin typeface="Calibri"/>
+                <a:ea typeface="Calibri"/>
+                <a:cs typeface="Calibri"/>
+                <a:sym typeface="Calibri"/>
+              </a:rPr>
+            </a:br>
+            <a:r>
+              <a:rPr lang="en" sz="1000">
+                <a:solidFill>
+                  <a:schemeClr val="dk1"/>
+                </a:solidFill>
+                <a:latin typeface="Calibri"/>
+                <a:ea typeface="Calibri"/>
+                <a:cs typeface="Calibri"/>
+                <a:sym typeface="Calibri"/>
+              </a:rPr>
+              <a:t>Tech layoffs, AI automation, and economic volatility mean traditional employment now carries hidden risks: you’re betting your entire income stream on decisions made by people who probably don't know you exist, and are focused on quarterly profit reports.</a:t>
+            </a:r>
+            <a:br>
+              <a:rPr lang="en" sz="1000">
+                <a:solidFill>
+                  <a:schemeClr val="dk1"/>
+                </a:solidFill>
+                <a:latin typeface="Calibri"/>
+                <a:ea typeface="Calibri"/>
+                <a:cs typeface="Calibri"/>
+                <a:sym typeface="Calibri"/>
+              </a:rPr>
+            </a:br>
+            <a:r>
+              <a:rPr lang="en" sz="1000">
+                <a:solidFill>
+                  <a:schemeClr val="dk1"/>
+                </a:solidFill>
+                <a:latin typeface="Calibri"/>
+                <a:ea typeface="Calibri"/>
+                <a:cs typeface="Calibri"/>
+                <a:sym typeface="Calibri"/>
+              </a:rPr>
+              <a:t>When a VP decides to "right-size" or a board chooses to "pivot," employees become accounting entries. </a:t>
+            </a:r>
+            <a:br>
+              <a:rPr lang="en" sz="1000">
+                <a:solidFill>
+                  <a:schemeClr val="dk1"/>
+                </a:solidFill>
+                <a:latin typeface="Calibri"/>
+                <a:ea typeface="Calibri"/>
+                <a:cs typeface="Calibri"/>
+                <a:sym typeface="Calibri"/>
+              </a:rPr>
+            </a:br>
+            <a:r>
+              <a:rPr lang="en" sz="1000">
+                <a:solidFill>
+                  <a:schemeClr val="dk1"/>
+                </a:solidFill>
+                <a:latin typeface="Calibri"/>
+                <a:ea typeface="Calibri"/>
+                <a:cs typeface="Calibri"/>
+                <a:sym typeface="Calibri"/>
+              </a:rPr>
+              <a:t>As an entrepreneur you may fail, but you'll fail forward with transferable skills and network effects.</a:t>
+            </a:r>
+            <a:endParaRPr sz="1000">
+              <a:solidFill>
+                <a:schemeClr val="dk1"/>
+              </a:solidFill>
+              <a:latin typeface="Calibri"/>
+              <a:ea typeface="Calibri"/>
+              <a:cs typeface="Calibri"/>
+              <a:sym typeface="Calibri"/>
+            </a:endParaRPr>
+          </a:p>
+          <a:p>
+            <a:pPr marL="171450" marR="0" lvl="0" indent="-120650" algn="l" rtl="0">
+              <a:lnSpc>
+                <a:spcPct val="100000"/>
+              </a:lnSpc>
+              <a:spcBef>
+                <a:spcPts val="0"/>
+              </a:spcBef>
+              <a:spcAft>
+                <a:spcPts val="0"/>
+              </a:spcAft>
+              <a:buClr>
+                <a:srgbClr val="FF0000"/>
+              </a:buClr>
+              <a:buSzPts val="1000"/>
+              <a:buFont typeface="Calibri"/>
+              <a:buChar char="●"/>
+            </a:pPr>
+            <a:r>
+              <a:rPr lang="en" sz="1000" b="1">
+                <a:solidFill>
+                  <a:srgbClr val="FF0000"/>
+                </a:solidFill>
+                <a:latin typeface="Calibri"/>
+                <a:ea typeface="Calibri"/>
+                <a:cs typeface="Calibri"/>
+                <a:sym typeface="Calibri"/>
+              </a:rPr>
+              <a:t>3/ The career risk hierarchy has inverted for the first time in history. </a:t>
+            </a:r>
+            <a:endParaRPr sz="1000" b="1">
+              <a:solidFill>
+                <a:srgbClr val="FF0000"/>
+              </a:solidFill>
+              <a:latin typeface="Calibri"/>
+              <a:ea typeface="Calibri"/>
+              <a:cs typeface="Calibri"/>
+              <a:sym typeface="Calibri"/>
+            </a:endParaRPr>
+          </a:p>
+          <a:p>
+            <a:pPr marL="171450" marR="0" lvl="0" indent="-120650" algn="l" rtl="0">
+              <a:lnSpc>
+                <a:spcPct val="100000"/>
+              </a:lnSpc>
+              <a:spcBef>
+                <a:spcPts val="0"/>
+              </a:spcBef>
+              <a:spcAft>
+                <a:spcPts val="0"/>
+              </a:spcAft>
+              <a:buClr>
+                <a:schemeClr val="dk1"/>
+              </a:buClr>
+              <a:buSzPts val="1000"/>
+              <a:buFont typeface="Calibri"/>
+              <a:buChar char="●"/>
+            </a:pPr>
+            <a:r>
+              <a:rPr lang="en" sz="1000">
+                <a:solidFill>
+                  <a:schemeClr val="dk1"/>
+                </a:solidFill>
+                <a:latin typeface="Calibri"/>
+                <a:ea typeface="Calibri"/>
+                <a:cs typeface="Calibri"/>
+                <a:sym typeface="Calibri"/>
+              </a:rPr>
+              <a:t>We're seeing something unprecedented: founding a company has become statistically safer than climbing a corporate ladder.</a:t>
+            </a:r>
+            <a:endParaRPr sz="1000">
+              <a:solidFill>
+                <a:schemeClr val="dk1"/>
+              </a:solidFill>
+              <a:latin typeface="Calibri"/>
+              <a:ea typeface="Calibri"/>
+              <a:cs typeface="Calibri"/>
+              <a:sym typeface="Calibri"/>
+            </a:endParaRPr>
+          </a:p>
+          <a:p>
+            <a:pPr marL="171450" marR="0" lvl="0" indent="-120650" algn="l" rtl="0">
+              <a:lnSpc>
+                <a:spcPct val="100000"/>
+              </a:lnSpc>
+              <a:spcBef>
+                <a:spcPts val="0"/>
+              </a:spcBef>
+              <a:spcAft>
+                <a:spcPts val="0"/>
+              </a:spcAft>
+              <a:buClr>
+                <a:schemeClr val="dk1"/>
+              </a:buClr>
+              <a:buSzPts val="1000"/>
+              <a:buFont typeface="Calibri"/>
+              <a:buChar char="●"/>
+            </a:pPr>
+            <a:r>
+              <a:rPr lang="en" sz="1000">
+                <a:solidFill>
+                  <a:schemeClr val="dk1"/>
+                </a:solidFill>
+                <a:latin typeface="Calibri"/>
+                <a:ea typeface="Calibri"/>
+                <a:cs typeface="Calibri"/>
+                <a:sym typeface="Calibri"/>
+              </a:rPr>
+              <a:t>While massive tech layoffs hit 150,000+ workers in 2023-2024, successful entrepreneurs built lasting value and optionality. </a:t>
+            </a:r>
+            <a:endParaRPr sz="1000">
+              <a:solidFill>
+                <a:schemeClr val="dk1"/>
+              </a:solidFill>
+              <a:latin typeface="Calibri"/>
+              <a:ea typeface="Calibri"/>
+              <a:cs typeface="Calibri"/>
+              <a:sym typeface="Calibri"/>
+            </a:endParaRPr>
+          </a:p>
+          <a:p>
+            <a:pPr marL="171450" marR="0" lvl="0" indent="-120650" algn="l" rtl="0">
+              <a:lnSpc>
+                <a:spcPct val="100000"/>
+              </a:lnSpc>
+              <a:spcBef>
+                <a:spcPts val="0"/>
+              </a:spcBef>
+              <a:spcAft>
+                <a:spcPts val="0"/>
+              </a:spcAft>
+              <a:buClr>
+                <a:schemeClr val="dk1"/>
+              </a:buClr>
+              <a:buSzPts val="1000"/>
+              <a:buFont typeface="Calibri"/>
+              <a:buChar char="●"/>
+            </a:pPr>
+            <a:r>
+              <a:rPr lang="en" sz="1000">
+                <a:solidFill>
+                  <a:schemeClr val="dk1"/>
+                </a:solidFill>
+                <a:latin typeface="Calibri"/>
+                <a:ea typeface="Calibri"/>
+                <a:cs typeface="Calibri"/>
+                <a:sym typeface="Calibri"/>
+              </a:rPr>
+              <a:t>The reason is simple: entrepreneurs own their failure modes, employees don't. When you control the variables, you can manage the risk.</a:t>
+            </a:r>
+            <a:endParaRPr sz="1000">
+              <a:solidFill>
+                <a:schemeClr val="dk1"/>
+              </a:solidFill>
+              <a:latin typeface="Calibri"/>
+              <a:ea typeface="Calibri"/>
+              <a:cs typeface="Calibri"/>
+              <a:sym typeface="Calibri"/>
+            </a:endParaRPr>
+          </a:p>
+        </p:txBody>
+      </p:sp>
+      <p:sp>
+        <p:nvSpPr>
+          <p:cNvPr id="385" name="Google Shape;385;p41"/>
+          <p:cNvSpPr txBox="1"/>
+          <p:nvPr/>
+        </p:nvSpPr>
+        <p:spPr>
+          <a:xfrm>
+            <a:off x="4602575" y="738255"/>
+            <a:ext cx="4459500" cy="4328400"/>
+          </a:xfrm>
+          <a:prstGeom prst="rect">
+            <a:avLst/>
+          </a:prstGeom>
+          <a:solidFill>
+            <a:srgbClr val="FFF2CC"/>
+          </a:solidFill>
+          <a:ln w="9525" cap="flat" cmpd="sng">
+            <a:solidFill>
+              <a:srgbClr val="FF0000"/>
+            </a:solidFill>
+            <a:prstDash val="solid"/>
+            <a:round/>
+            <a:headEnd type="none" w="sm" len="sm"/>
+            <a:tailEnd type="none" w="sm" len="sm"/>
+          </a:ln>
+        </p:spPr>
+        <p:txBody>
+          <a:bodyPr spcFirstLastPara="1" wrap="square" lIns="9125" tIns="9125" rIns="9125" bIns="9125" anchor="t" anchorCtr="0">
+            <a:spAutoFit/>
+          </a:bodyPr>
+          <a:lstStyle/>
+          <a:p>
+            <a:pPr marL="171450" marR="0" lvl="0" indent="-120650" algn="l" rtl="0">
+              <a:lnSpc>
+                <a:spcPct val="100000"/>
+              </a:lnSpc>
+              <a:spcBef>
+                <a:spcPts val="0"/>
+              </a:spcBef>
+              <a:spcAft>
+                <a:spcPts val="0"/>
+              </a:spcAft>
+              <a:buClr>
+                <a:schemeClr val="dk1"/>
+              </a:buClr>
+              <a:buSzPts val="1000"/>
+              <a:buFont typeface="Calibri"/>
+              <a:buChar char="●"/>
+            </a:pPr>
+            <a:r>
+              <a:rPr lang="en" sz="1000" b="1">
+                <a:solidFill>
+                  <a:srgbClr val="FF0000"/>
+                </a:solidFill>
+                <a:latin typeface="Calibri"/>
+                <a:ea typeface="Calibri"/>
+                <a:cs typeface="Calibri"/>
+                <a:sym typeface="Calibri"/>
+              </a:rPr>
+              <a:t>4/ Yes, entrepreneurship isn't universally safe,</a:t>
+            </a:r>
+            <a:br>
+              <a:rPr lang="en" sz="1000" b="1">
+                <a:solidFill>
+                  <a:srgbClr val="FF0000"/>
+                </a:solidFill>
+                <a:latin typeface="Calibri"/>
+                <a:ea typeface="Calibri"/>
+                <a:cs typeface="Calibri"/>
+                <a:sym typeface="Calibri"/>
+              </a:rPr>
+            </a:br>
+            <a:r>
+              <a:rPr lang="en" sz="1000" b="1">
+                <a:solidFill>
+                  <a:srgbClr val="FF0000"/>
+                </a:solidFill>
+                <a:latin typeface="Calibri"/>
+                <a:ea typeface="Calibri"/>
+                <a:cs typeface="Calibri"/>
+                <a:sym typeface="Calibri"/>
+              </a:rPr>
+              <a:t> it's just relatively safer (and getting more so over time).</a:t>
+            </a:r>
+            <a:r>
+              <a:rPr lang="en" sz="1000">
+                <a:solidFill>
+                  <a:schemeClr val="dk1"/>
+                </a:solidFill>
+                <a:latin typeface="Calibri"/>
+                <a:ea typeface="Calibri"/>
+                <a:cs typeface="Calibri"/>
+                <a:sym typeface="Calibri"/>
+              </a:rPr>
+              <a:t> </a:t>
+            </a:r>
+            <a:br>
+              <a:rPr lang="en" sz="1000">
+                <a:solidFill>
+                  <a:schemeClr val="dk1"/>
+                </a:solidFill>
+                <a:latin typeface="Calibri"/>
+                <a:ea typeface="Calibri"/>
+                <a:cs typeface="Calibri"/>
+                <a:sym typeface="Calibri"/>
+              </a:rPr>
+            </a:br>
+            <a:r>
+              <a:rPr lang="en" sz="1000">
+                <a:solidFill>
+                  <a:schemeClr val="dk1"/>
+                </a:solidFill>
+                <a:latin typeface="Calibri"/>
+                <a:ea typeface="Calibri"/>
+                <a:cs typeface="Calibri"/>
+                <a:sym typeface="Calibri"/>
+              </a:rPr>
+              <a:t>The tools to become a coder (Replit, Lovable, Cursor, etc.) are demonetized and democratized. A full entrepreneurial education is available for free on YouTube. </a:t>
+            </a:r>
+            <a:br>
+              <a:rPr lang="en" sz="1000">
+                <a:solidFill>
+                  <a:schemeClr val="dk1"/>
+                </a:solidFill>
+                <a:latin typeface="Calibri"/>
+                <a:ea typeface="Calibri"/>
+                <a:cs typeface="Calibri"/>
+                <a:sym typeface="Calibri"/>
+              </a:rPr>
+            </a:br>
+            <a:r>
+              <a:rPr lang="en" sz="1000">
+                <a:solidFill>
+                  <a:schemeClr val="dk1"/>
+                </a:solidFill>
+                <a:latin typeface="Calibri"/>
+                <a:ea typeface="Calibri"/>
+                <a:cs typeface="Calibri"/>
+                <a:sym typeface="Calibri"/>
+              </a:rPr>
+              <a:t>Historically, it’s true that 1 in 10 “VC-backed startups succeed”, but increasingly, the ability to code, build, and raise money is growing rapidly.</a:t>
+            </a:r>
+            <a:br>
+              <a:rPr lang="en" sz="1000">
+                <a:solidFill>
+                  <a:schemeClr val="dk1"/>
+                </a:solidFill>
+                <a:latin typeface="Calibri"/>
+                <a:ea typeface="Calibri"/>
+                <a:cs typeface="Calibri"/>
+                <a:sym typeface="Calibri"/>
+              </a:rPr>
+            </a:br>
+            <a:r>
+              <a:rPr lang="en" sz="1000">
+                <a:solidFill>
+                  <a:schemeClr val="dk1"/>
+                </a:solidFill>
+                <a:latin typeface="Calibri"/>
+                <a:ea typeface="Calibri"/>
+                <a:cs typeface="Calibri"/>
+                <a:sym typeface="Calibri"/>
+              </a:rPr>
+              <a:t>PLUS, realize that today in 2025, $1B per day is being invested into AI, growing to &gt;$3B per day by 2030. This is the field that is exploding while traditional employment is shrinking. Where would you rather play?</a:t>
+            </a:r>
+            <a:endParaRPr sz="1000">
+              <a:solidFill>
+                <a:schemeClr val="dk1"/>
+              </a:solidFill>
+              <a:latin typeface="Calibri"/>
+              <a:ea typeface="Calibri"/>
+              <a:cs typeface="Calibri"/>
+              <a:sym typeface="Calibri"/>
+            </a:endParaRPr>
+          </a:p>
+          <a:p>
+            <a:pPr marL="171450" marR="0" lvl="0" indent="-120650" algn="l" rtl="0">
+              <a:lnSpc>
+                <a:spcPct val="100000"/>
+              </a:lnSpc>
+              <a:spcBef>
+                <a:spcPts val="0"/>
+              </a:spcBef>
+              <a:spcAft>
+                <a:spcPts val="0"/>
+              </a:spcAft>
+              <a:buClr>
+                <a:schemeClr val="dk1"/>
+              </a:buClr>
+              <a:buSzPts val="1000"/>
+              <a:buFont typeface="Calibri"/>
+              <a:buChar char="●"/>
+            </a:pPr>
+            <a:r>
+              <a:rPr lang="en" sz="1000">
+                <a:solidFill>
+                  <a:schemeClr val="dk1"/>
+                </a:solidFill>
+                <a:latin typeface="Calibri"/>
+                <a:ea typeface="Calibri"/>
+                <a:cs typeface="Calibri"/>
+                <a:sym typeface="Calibri"/>
+              </a:rPr>
+              <a:t>5/ The optimal strategy is asymmetric: limited downside, unlimited upside.</a:t>
+            </a:r>
+            <a:br>
+              <a:rPr lang="en" sz="1000">
+                <a:solidFill>
+                  <a:schemeClr val="dk1"/>
+                </a:solidFill>
+                <a:latin typeface="Calibri"/>
+                <a:ea typeface="Calibri"/>
+                <a:cs typeface="Calibri"/>
+                <a:sym typeface="Calibri"/>
+              </a:rPr>
+            </a:br>
+            <a:r>
+              <a:rPr lang="en" sz="1000">
+                <a:solidFill>
+                  <a:schemeClr val="dk1"/>
+                </a:solidFill>
+                <a:latin typeface="Calibri"/>
+                <a:ea typeface="Calibri"/>
+                <a:cs typeface="Calibri"/>
+                <a:sym typeface="Calibri"/>
+              </a:rPr>
+              <a:t>Smart career building in 2025 means building antifragile income streams. </a:t>
+            </a:r>
+            <a:br>
+              <a:rPr lang="en" sz="1000">
+                <a:solidFill>
+                  <a:schemeClr val="dk1"/>
+                </a:solidFill>
+                <a:latin typeface="Calibri"/>
+                <a:ea typeface="Calibri"/>
+                <a:cs typeface="Calibri"/>
+                <a:sym typeface="Calibri"/>
+              </a:rPr>
+            </a:br>
+            <a:r>
+              <a:rPr lang="en" sz="1000">
+                <a:solidFill>
+                  <a:schemeClr val="dk1"/>
+                </a:solidFill>
+                <a:latin typeface="Calibri"/>
+                <a:ea typeface="Calibri"/>
+                <a:cs typeface="Calibri"/>
+                <a:sym typeface="Calibri"/>
+              </a:rPr>
+              <a:t>The new "safe" career path isn't employment or entrepreneurship exclusively, it's creating multiple income vectors where failure in one area strengthens your position in others.</a:t>
+            </a:r>
+            <a:br>
+              <a:rPr lang="en" sz="1000">
+                <a:solidFill>
+                  <a:schemeClr val="dk1"/>
+                </a:solidFill>
+                <a:latin typeface="Calibri"/>
+                <a:ea typeface="Calibri"/>
+                <a:cs typeface="Calibri"/>
+                <a:sym typeface="Calibri"/>
+              </a:rPr>
+            </a:br>
+            <a:r>
+              <a:rPr lang="en" sz="1000">
+                <a:solidFill>
+                  <a:schemeClr val="dk1"/>
+                </a:solidFill>
+                <a:latin typeface="Calibri"/>
+                <a:ea typeface="Calibri"/>
+                <a:cs typeface="Calibri"/>
+                <a:sym typeface="Calibri"/>
+              </a:rPr>
+              <a:t>This might mean consulting while building products, or freelancing while scaling a service business.</a:t>
+            </a:r>
+            <a:br>
+              <a:rPr lang="en" sz="1000">
+                <a:solidFill>
+                  <a:schemeClr val="dk1"/>
+                </a:solidFill>
+                <a:latin typeface="Calibri"/>
+                <a:ea typeface="Calibri"/>
+                <a:cs typeface="Calibri"/>
+                <a:sym typeface="Calibri"/>
+              </a:rPr>
+            </a:br>
+            <a:r>
+              <a:rPr lang="en" sz="1000">
+                <a:solidFill>
+                  <a:schemeClr val="dk1"/>
+                </a:solidFill>
+                <a:latin typeface="Calibri"/>
+                <a:ea typeface="Calibri"/>
+                <a:cs typeface="Calibri"/>
+                <a:sym typeface="Calibri"/>
+              </a:rPr>
+              <a:t>My thesis: act on this dynamic while it lasts. Build now, when the perceived risk is high but the actual risk is low. </a:t>
+            </a:r>
+            <a:br>
+              <a:rPr lang="en" sz="1000">
+                <a:solidFill>
+                  <a:schemeClr val="dk1"/>
+                </a:solidFill>
+                <a:latin typeface="Calibri"/>
+                <a:ea typeface="Calibri"/>
+                <a:cs typeface="Calibri"/>
+                <a:sym typeface="Calibri"/>
+              </a:rPr>
+            </a:br>
+            <a:r>
+              <a:rPr lang="en" sz="1000">
+                <a:solidFill>
+                  <a:schemeClr val="dk1"/>
+                </a:solidFill>
+                <a:latin typeface="Calibri"/>
+                <a:ea typeface="Calibri"/>
+                <a:cs typeface="Calibri"/>
+                <a:sym typeface="Calibri"/>
+              </a:rPr>
+              <a:t>The best entrepreneurs are emerging from this period precisely because they're contrarian enough to start companies when everyone else  thinks it's "risky."</a:t>
+            </a:r>
+            <a:br>
+              <a:rPr lang="en" sz="1000">
+                <a:solidFill>
+                  <a:schemeClr val="dk1"/>
+                </a:solidFill>
+                <a:latin typeface="Calibri"/>
+                <a:ea typeface="Calibri"/>
+                <a:cs typeface="Calibri"/>
+                <a:sym typeface="Calibri"/>
+              </a:rPr>
+            </a:br>
+            <a:r>
+              <a:rPr lang="en" sz="1000">
+                <a:solidFill>
+                  <a:schemeClr val="dk1"/>
+                </a:solidFill>
+                <a:latin typeface="Calibri"/>
+                <a:ea typeface="Calibri"/>
+                <a:cs typeface="Calibri"/>
+                <a:sym typeface="Calibri"/>
+              </a:rPr>
+              <a:t>By the time entrepreneurship feels safe to the mainstream, the outsized opportunity will diminish. </a:t>
+            </a:r>
+            <a:br>
+              <a:rPr lang="en" sz="1000">
+                <a:solidFill>
+                  <a:schemeClr val="dk1"/>
+                </a:solidFill>
+                <a:latin typeface="Calibri"/>
+                <a:ea typeface="Calibri"/>
+                <a:cs typeface="Calibri"/>
+                <a:sym typeface="Calibri"/>
+              </a:rPr>
+            </a:br>
+            <a:r>
+              <a:rPr lang="en" sz="1000">
+                <a:solidFill>
+                  <a:schemeClr val="dk1"/>
+                </a:solidFill>
+                <a:latin typeface="Calibri"/>
+                <a:ea typeface="Calibri"/>
+                <a:cs typeface="Calibri"/>
+                <a:sym typeface="Calibri"/>
+              </a:rPr>
+              <a:t>I truly believe the only career path of the future is entrepreneurship.</a:t>
+            </a:r>
+            <a:br>
+              <a:rPr lang="en" sz="1000">
+                <a:solidFill>
+                  <a:schemeClr val="dk1"/>
+                </a:solidFill>
+                <a:latin typeface="Calibri"/>
+                <a:ea typeface="Calibri"/>
+                <a:cs typeface="Calibri"/>
+                <a:sym typeface="Calibri"/>
+              </a:rPr>
+            </a:br>
+            <a:r>
+              <a:rPr lang="en" sz="1000">
+                <a:solidFill>
+                  <a:schemeClr val="dk1"/>
+                </a:solidFill>
+                <a:latin typeface="Calibri"/>
+                <a:ea typeface="Calibri"/>
+                <a:cs typeface="Calibri"/>
+                <a:sym typeface="Calibri"/>
+              </a:rPr>
+              <a:t>Bottom line: Get building. </a:t>
+            </a:r>
+            <a:br>
+              <a:rPr lang="en" sz="1000">
+                <a:solidFill>
+                  <a:schemeClr val="dk1"/>
+                </a:solidFill>
+                <a:latin typeface="Calibri"/>
+                <a:ea typeface="Calibri"/>
+                <a:cs typeface="Calibri"/>
+                <a:sym typeface="Calibri"/>
+              </a:rPr>
+            </a:br>
+            <a:r>
+              <a:rPr lang="en" sz="1000">
+                <a:solidFill>
+                  <a:schemeClr val="dk1"/>
+                </a:solidFill>
+                <a:latin typeface="Calibri"/>
+                <a:ea typeface="Calibri"/>
+                <a:cs typeface="Calibri"/>
+                <a:sym typeface="Calibri"/>
+              </a:rPr>
+              <a:t>The career safety you're looking for exists, but it's the safety of owning your own destiny and your ability to build with AGI (read: god-like tools).</a:t>
+            </a:r>
+            <a:br>
+              <a:rPr lang="en" sz="1000">
+                <a:solidFill>
+                  <a:schemeClr val="dk1"/>
+                </a:solidFill>
+                <a:latin typeface="Calibri"/>
+                <a:ea typeface="Calibri"/>
+                <a:cs typeface="Calibri"/>
+                <a:sym typeface="Calibri"/>
+              </a:rPr>
+            </a:br>
+            <a:r>
+              <a:rPr lang="en" sz="1000">
+                <a:solidFill>
+                  <a:schemeClr val="dk1"/>
+                </a:solidFill>
+                <a:latin typeface="Calibri"/>
+                <a:ea typeface="Calibri"/>
+                <a:cs typeface="Calibri"/>
+                <a:sym typeface="Calibri"/>
+              </a:rPr>
+              <a:t>Until next time,</a:t>
+            </a:r>
+            <a:br>
+              <a:rPr lang="en" sz="1000">
+                <a:solidFill>
+                  <a:schemeClr val="dk1"/>
+                </a:solidFill>
+                <a:latin typeface="Calibri"/>
+                <a:ea typeface="Calibri"/>
+                <a:cs typeface="Calibri"/>
+                <a:sym typeface="Calibri"/>
+              </a:rPr>
+            </a:br>
+            <a:r>
+              <a:rPr lang="en" sz="1000">
+                <a:solidFill>
+                  <a:schemeClr val="dk1"/>
+                </a:solidFill>
+                <a:latin typeface="Calibri"/>
+                <a:ea typeface="Calibri"/>
+                <a:cs typeface="Calibri"/>
+                <a:sym typeface="Calibri"/>
+              </a:rPr>
+              <a:t>Peter</a:t>
+            </a:r>
+            <a:endParaRPr sz="1000">
+              <a:solidFill>
+                <a:schemeClr val="dk1"/>
+              </a:solidFill>
+              <a:latin typeface="Calibri"/>
+              <a:ea typeface="Calibri"/>
+              <a:cs typeface="Calibri"/>
+              <a:sym typeface="Calibri"/>
+            </a:endParaRPr>
+          </a:p>
+        </p:txBody>
+      </p:sp>
+      <p:pic>
+        <p:nvPicPr>
+          <p:cNvPr id="386" name="Google Shape;386;p41"/>
+          <p:cNvPicPr preferRelativeResize="0"/>
+          <p:nvPr/>
+        </p:nvPicPr>
+        <p:blipFill>
+          <a:blip r:embed="rId3" cstate="email">
+            <a:alphaModFix/>
+            <a:extLst>
+              <a:ext uri="{28A0092B-C50C-407E-A947-70E740481C1C}">
+                <a14:useLocalDpi xmlns:a14="http://schemas.microsoft.com/office/drawing/2010/main"/>
+              </a:ext>
+            </a:extLst>
+          </a:blip>
+          <a:stretch>
+            <a:fillRect/>
+          </a:stretch>
+        </p:blipFill>
+        <p:spPr>
+          <a:xfrm>
+            <a:off x="8162257" y="38101"/>
+            <a:ext cx="823625" cy="960126"/>
+          </a:xfrm>
+          <a:prstGeom prst="rect">
+            <a:avLst/>
+          </a:prstGeom>
+          <a:noFill/>
+          <a:ln w="9525" cap="flat" cmpd="sng">
+            <a:solidFill>
+              <a:srgbClr val="FF0000"/>
+            </a:solidFill>
+            <a:prstDash val="solid"/>
+            <a:round/>
+            <a:headEnd type="none" w="sm" len="sm"/>
+            <a:tailEnd type="none" w="sm" len="sm"/>
+          </a:ln>
+        </p:spPr>
+      </p:pic>
+    </p:spTree>
+  </p:cSld>
+  <p:clrMapOvr>
+    <a:masterClrMapping/>
+  </p:clrMapOvr>
+</p:sld>
+</file>
+
+<file path=ppt/slides/slide28.xml><?xml version="1.0" encoding="utf-8"?>
+<p:sld xmlns:a="http://schemas.openxmlformats.org/drawingml/2006/main" xmlns:r="http://schemas.openxmlformats.org/officeDocument/2006/relationships" xmlns:p="http://schemas.openxmlformats.org/presentationml/2006/main">
+  <p:cSld>
+    <p:spTree>
+      <p:nvGrpSpPr>
+        <p:cNvPr id="1" name="Shape 390"/>
+        <p:cNvGrpSpPr/>
+        <p:nvPr/>
+      </p:nvGrpSpPr>
+      <p:grpSpPr>
+        <a:xfrm>
+          <a:off x="0" y="0"/>
+          <a:ext cx="0" cy="0"/>
+          <a:chOff x="0" y="0"/>
+          <a:chExt cx="0" cy="0"/>
+        </a:xfrm>
+      </p:grpSpPr>
+      <p:sp>
+        <p:nvSpPr>
+          <p:cNvPr id="391" name="Google Shape;391;p42"/>
+          <p:cNvSpPr txBox="1"/>
+          <p:nvPr/>
+        </p:nvSpPr>
+        <p:spPr>
+          <a:xfrm>
             <a:off x="67350" y="52750"/>
             <a:ext cx="3179400" cy="326400"/>
           </a:xfrm>
@@ -29737,7 +31044,7 @@
       </p:sp>
       <p:sp>
         <p:nvSpPr>
-          <p:cNvPr id="384" name="Google Shape;384;p41"/>
+          <p:cNvPr id="392" name="Google Shape;392;p42"/>
           <p:cNvSpPr txBox="1"/>
           <p:nvPr/>
         </p:nvSpPr>
@@ -29865,7 +31172,7 @@
       </p:sp>
       <p:sp>
         <p:nvSpPr>
-          <p:cNvPr id="385" name="Google Shape;385;p41"/>
+          <p:cNvPr id="393" name="Google Shape;393;p42"/>
           <p:cNvSpPr txBox="1"/>
           <p:nvPr/>
         </p:nvSpPr>
@@ -30112,7 +31419,7 @@
       </p:sp>
       <p:sp>
         <p:nvSpPr>
-          <p:cNvPr id="386" name="Google Shape;386;p41"/>
+          <p:cNvPr id="394" name="Google Shape;394;p42"/>
           <p:cNvSpPr txBox="1"/>
           <p:nvPr/>
         </p:nvSpPr>
@@ -30285,7 +31592,7 @@
       </p:sp>
       <p:pic>
         <p:nvPicPr>
-          <p:cNvPr id="387" name="Google Shape;387;p41"/>
+          <p:cNvPr id="395" name="Google Shape;395;p42"/>
           <p:cNvPicPr preferRelativeResize="0"/>
           <p:nvPr/>
         </p:nvPicPr>
@@ -30324,7 +31631,7 @@
       </p:pic>
       <p:pic>
         <p:nvPicPr>
-          <p:cNvPr id="388" name="Google Shape;388;p41"/>
+          <p:cNvPr id="396" name="Google Shape;396;p42"/>
           <p:cNvPicPr preferRelativeResize="0"/>
           <p:nvPr/>
         </p:nvPicPr>
@@ -30363,7 +31670,7 @@
       </p:pic>
       <p:sp>
         <p:nvSpPr>
-          <p:cNvPr id="389" name="Google Shape;389;p41"/>
+          <p:cNvPr id="397" name="Google Shape;397;p42"/>
           <p:cNvSpPr txBox="1"/>
           <p:nvPr/>
         </p:nvSpPr>
@@ -30740,12 +32047,12 @@
 </p:sld>
 </file>
 
-<file path=ppt/slides/slide28.xml><?xml version="1.0" encoding="utf-8"?>
+<file path=ppt/slides/slide29.xml><?xml version="1.0" encoding="utf-8"?>
 <p:sld xmlns:a="http://schemas.openxmlformats.org/drawingml/2006/main" xmlns:r="http://schemas.openxmlformats.org/officeDocument/2006/relationships" xmlns:p="http://schemas.openxmlformats.org/presentationml/2006/main">
   <p:cSld>
     <p:spTree>
       <p:nvGrpSpPr>
-        <p:cNvPr id="1" name="Shape 393"/>
+        <p:cNvPr id="1" name="Shape 401"/>
         <p:cNvGrpSpPr/>
         <p:nvPr/>
       </p:nvGrpSpPr>
@@ -30759,7 +32066,7 @@
       </p:grpSpPr>
       <p:pic>
         <p:nvPicPr>
-          <p:cNvPr id="394" name="Google Shape;394;p42"/>
+          <p:cNvPr id="402" name="Google Shape;402;p43"/>
           <p:cNvPicPr preferRelativeResize="0"/>
           <p:nvPr/>
         </p:nvPicPr>
@@ -30791,7 +32098,7 @@
       </p:pic>
       <p:sp>
         <p:nvSpPr>
-          <p:cNvPr id="395" name="Google Shape;395;p42"/>
+          <p:cNvPr id="403" name="Google Shape;403;p43"/>
           <p:cNvSpPr txBox="1"/>
           <p:nvPr/>
         </p:nvSpPr>
@@ -30857,7 +32164,7 @@
       </p:sp>
       <p:sp>
         <p:nvSpPr>
-          <p:cNvPr id="396" name="Google Shape;396;p42"/>
+          <p:cNvPr id="404" name="Google Shape;404;p43"/>
           <p:cNvSpPr txBox="1"/>
           <p:nvPr/>
         </p:nvSpPr>
@@ -31287,7 +32594,7 @@
       </p:sp>
       <p:pic>
         <p:nvPicPr>
-          <p:cNvPr id="397" name="Google Shape;397;p42"/>
+          <p:cNvPr id="405" name="Google Shape;405;p43"/>
           <p:cNvPicPr preferRelativeResize="0"/>
           <p:nvPr/>
         </p:nvPicPr>
@@ -31319,7 +32626,7 @@
       </p:pic>
       <p:sp>
         <p:nvSpPr>
-          <p:cNvPr id="398" name="Google Shape;398;p42"/>
+          <p:cNvPr id="406" name="Google Shape;406;p43"/>
           <p:cNvSpPr txBox="1"/>
           <p:nvPr/>
         </p:nvSpPr>
@@ -31398,7 +32705,7 @@
       </p:sp>
       <p:sp>
         <p:nvSpPr>
-          <p:cNvPr id="399" name="Google Shape;399;p42"/>
+          <p:cNvPr id="407" name="Google Shape;407;p43"/>
           <p:cNvSpPr txBox="1"/>
           <p:nvPr/>
         </p:nvSpPr>
@@ -31453,97 +32760,6 @@
             <a:endParaRPr sz="1600" b="0" i="0" u="none" strike="noStrike" cap="none">
               <a:solidFill>
                 <a:srgbClr val="000000"/>
-              </a:solidFill>
-              <a:latin typeface="Calibri"/>
-              <a:ea typeface="Calibri"/>
-              <a:cs typeface="Calibri"/>
-              <a:sym typeface="Calibri"/>
-            </a:endParaRPr>
-          </a:p>
-        </p:txBody>
-      </p:sp>
-    </p:spTree>
-  </p:cSld>
-  <p:clrMapOvr>
-    <a:masterClrMapping/>
-  </p:clrMapOvr>
-</p:sld>
-</file>
-
-<file path=ppt/slides/slide29.xml><?xml version="1.0" encoding="utf-8"?>
-<p:sld xmlns:a="http://schemas.openxmlformats.org/drawingml/2006/main" xmlns:r="http://schemas.openxmlformats.org/officeDocument/2006/relationships" xmlns:p="http://schemas.openxmlformats.org/presentationml/2006/main">
-  <p:cSld>
-    <p:spTree>
-      <p:nvGrpSpPr>
-        <p:cNvPr id="1" name="Shape 403"/>
-        <p:cNvGrpSpPr/>
-        <p:nvPr/>
-      </p:nvGrpSpPr>
-      <p:grpSpPr>
-        <a:xfrm>
-          <a:off x="0" y="0"/>
-          <a:ext cx="0" cy="0"/>
-          <a:chOff x="0" y="0"/>
-          <a:chExt cx="0" cy="0"/>
-        </a:xfrm>
-      </p:grpSpPr>
-      <p:sp>
-        <p:nvSpPr>
-          <p:cNvPr id="404" name="Google Shape;404;p43"/>
-          <p:cNvSpPr txBox="1"/>
-          <p:nvPr/>
-        </p:nvSpPr>
-        <p:spPr>
-          <a:xfrm>
-            <a:off x="2151375" y="1533150"/>
-            <a:ext cx="4632600" cy="1262100"/>
-          </a:xfrm>
-          <a:prstGeom prst="rect">
-            <a:avLst/>
-          </a:prstGeom>
-          <a:noFill/>
-          <a:ln>
-            <a:noFill/>
-          </a:ln>
-        </p:spPr>
-        <p:txBody>
-          <a:bodyPr spcFirstLastPara="1" wrap="square" lIns="91425" tIns="91425" rIns="91425" bIns="91425" anchor="t" anchorCtr="0">
-            <a:spAutoFit/>
-          </a:bodyPr>
-          <a:lstStyle/>
-          <a:p>
-            <a:pPr marL="0" marR="0" lvl="0" indent="0" algn="ctr" rtl="0">
-              <a:lnSpc>
-                <a:spcPct val="100000"/>
-              </a:lnSpc>
-              <a:spcBef>
-                <a:spcPts val="0"/>
-              </a:spcBef>
-              <a:spcAft>
-                <a:spcPts val="0"/>
-              </a:spcAft>
-              <a:buClr>
-                <a:srgbClr val="000000"/>
-              </a:buClr>
-              <a:buSzPts val="7000"/>
-              <a:buFont typeface="Arial"/>
-              <a:buNone/>
-            </a:pPr>
-            <a:r>
-              <a:rPr lang="en" sz="7000" b="1" i="0" u="none" strike="noStrike" cap="none">
-                <a:solidFill>
-                  <a:srgbClr val="3C78D8"/>
-                </a:solidFill>
-                <a:latin typeface="Calibri"/>
-                <a:ea typeface="Calibri"/>
-                <a:cs typeface="Calibri"/>
-                <a:sym typeface="Calibri"/>
-              </a:rPr>
-              <a:t>Thank You!</a:t>
-            </a:r>
-            <a:endParaRPr sz="7000" b="1" i="0" u="none" strike="noStrike" cap="none">
-              <a:solidFill>
-                <a:srgbClr val="3C78D8"/>
               </a:solidFill>
               <a:latin typeface="Calibri"/>
               <a:ea typeface="Calibri"/>
@@ -36469,14 +37685,14 @@
         </p:nvGraphicFramePr>
         <p:xfrm>
           <a:off x="691575" y="566481"/>
-          <a:ext cx="3000000" cy="3000000"/>
+          <a:ext cx="2318575" cy="4315625"/>
         </p:xfrm>
         <a:graphic>
           <a:graphicData uri="http://schemas.openxmlformats.org/drawingml/2006/table">
             <a:tbl>
               <a:tblPr>
                 <a:noFill/>
-                <a:tableStyleId>{093350D2-0FE4-4E39-B9B7-9271A695E3B7}</a:tableStyleId>
+                <a:tableStyleId>{EBB1339B-AAF9-47B1-A9CB-317EB3F925A0}</a:tableStyleId>
               </a:tblPr>
               <a:tblGrid>
                 <a:gridCol w="1996250">
@@ -40787,14 +42003,14 @@
         </p:nvGraphicFramePr>
         <p:xfrm>
           <a:off x="3816083" y="568230"/>
-          <a:ext cx="3000000" cy="3000000"/>
+          <a:ext cx="2124075" cy="4251325"/>
         </p:xfrm>
         <a:graphic>
           <a:graphicData uri="http://schemas.openxmlformats.org/drawingml/2006/table">
             <a:tbl>
               <a:tblPr>
                 <a:noFill/>
-                <a:tableStyleId>{093350D2-0FE4-4E39-B9B7-9271A695E3B7}</a:tableStyleId>
+                <a:tableStyleId>{EBB1339B-AAF9-47B1-A9CB-317EB3F925A0}</a:tableStyleId>
               </a:tblPr>
               <a:tblGrid>
                 <a:gridCol w="1828800">
@@ -46299,6 +47515,97 @@
 </p:sld>
 </file>
 
+<file path=ppt/slides/slide30.xml><?xml version="1.0" encoding="utf-8"?>
+<p:sld xmlns:a="http://schemas.openxmlformats.org/drawingml/2006/main" xmlns:r="http://schemas.openxmlformats.org/officeDocument/2006/relationships" xmlns:p="http://schemas.openxmlformats.org/presentationml/2006/main">
+  <p:cSld>
+    <p:spTree>
+      <p:nvGrpSpPr>
+        <p:cNvPr id="1" name="Shape 411"/>
+        <p:cNvGrpSpPr/>
+        <p:nvPr/>
+      </p:nvGrpSpPr>
+      <p:grpSpPr>
+        <a:xfrm>
+          <a:off x="0" y="0"/>
+          <a:ext cx="0" cy="0"/>
+          <a:chOff x="0" y="0"/>
+          <a:chExt cx="0" cy="0"/>
+        </a:xfrm>
+      </p:grpSpPr>
+      <p:sp>
+        <p:nvSpPr>
+          <p:cNvPr id="412" name="Google Shape;412;p44"/>
+          <p:cNvSpPr txBox="1"/>
+          <p:nvPr/>
+        </p:nvSpPr>
+        <p:spPr>
+          <a:xfrm>
+            <a:off x="2151375" y="1533150"/>
+            <a:ext cx="4632600" cy="1262100"/>
+          </a:xfrm>
+          <a:prstGeom prst="rect">
+            <a:avLst/>
+          </a:prstGeom>
+          <a:noFill/>
+          <a:ln>
+            <a:noFill/>
+          </a:ln>
+        </p:spPr>
+        <p:txBody>
+          <a:bodyPr spcFirstLastPara="1" wrap="square" lIns="91425" tIns="91425" rIns="91425" bIns="91425" anchor="t" anchorCtr="0">
+            <a:spAutoFit/>
+          </a:bodyPr>
+          <a:lstStyle/>
+          <a:p>
+            <a:pPr marL="0" marR="0" lvl="0" indent="0" algn="ctr" rtl="0">
+              <a:lnSpc>
+                <a:spcPct val="100000"/>
+              </a:lnSpc>
+              <a:spcBef>
+                <a:spcPts val="0"/>
+              </a:spcBef>
+              <a:spcAft>
+                <a:spcPts val="0"/>
+              </a:spcAft>
+              <a:buClr>
+                <a:srgbClr val="000000"/>
+              </a:buClr>
+              <a:buSzPts val="7000"/>
+              <a:buFont typeface="Arial"/>
+              <a:buNone/>
+            </a:pPr>
+            <a:r>
+              <a:rPr lang="en" sz="7000" b="1" i="0" u="none" strike="noStrike" cap="none">
+                <a:solidFill>
+                  <a:srgbClr val="3C78D8"/>
+                </a:solidFill>
+                <a:latin typeface="Calibri"/>
+                <a:ea typeface="Calibri"/>
+                <a:cs typeface="Calibri"/>
+                <a:sym typeface="Calibri"/>
+              </a:rPr>
+              <a:t>Thank You!</a:t>
+            </a:r>
+            <a:endParaRPr sz="7000" b="1" i="0" u="none" strike="noStrike" cap="none">
+              <a:solidFill>
+                <a:srgbClr val="3C78D8"/>
+              </a:solidFill>
+              <a:latin typeface="Calibri"/>
+              <a:ea typeface="Calibri"/>
+              <a:cs typeface="Calibri"/>
+              <a:sym typeface="Calibri"/>
+            </a:endParaRPr>
+          </a:p>
+        </p:txBody>
+      </p:sp>
+    </p:spTree>
+  </p:cSld>
+  <p:clrMapOvr>
+    <a:masterClrMapping/>
+  </p:clrMapOvr>
+</p:sld>
+</file>
+
 <file path=ppt/slides/slide4.xml><?xml version="1.0" encoding="utf-8"?>
 <p:sld xmlns:a="http://schemas.openxmlformats.org/drawingml/2006/main" xmlns:r="http://schemas.openxmlformats.org/officeDocument/2006/relationships" xmlns:p="http://schemas.openxmlformats.org/presentationml/2006/main">
   <p:cSld>
@@ -46776,7 +48083,7 @@
             <a:tbl>
               <a:tblPr>
                 <a:noFill/>
-                <a:tableStyleId>{56A13705-B52C-4F2E-80B9-5834A53C7163}</a:tableStyleId>
+                <a:tableStyleId>{79A6FB88-2F7B-4211-850D-2E057F1CEE69}</a:tableStyleId>
               </a:tblPr>
               <a:tblGrid>
                 <a:gridCol w="1141175">

--- a/2025/2025-09-19-AI-Updates.pptx
+++ b/2025/2025-09-19-AI-Updates.pptx
@@ -279,11 +279,6 @@
       </a:defRPr>
     </a:lvl9pPr>
   </p:defaultTextStyle>
-  <p:extLst>
-    <p:ext uri="{EFAFB233-063F-42B5-8137-9DF3F51BA10A}">
-      <p15:sldGuideLst xmlns:p15="http://schemas.microsoft.com/office/powerpoint/2012/main"/>
-    </p:ext>
-  </p:extLst>
 </p:presentation>
 </file>
 
@@ -1237,7 +1232,7 @@
   <p:cSld>
     <p:spTree>
       <p:nvGrpSpPr>
-        <p:cNvPr id="1" name="Shape 233"/>
+        <p:cNvPr id="1" name="Shape 234"/>
         <p:cNvGrpSpPr/>
         <p:nvPr/>
       </p:nvGrpSpPr>
@@ -1251,7 +1246,7 @@
       </p:grpSpPr>
       <p:sp>
         <p:nvSpPr>
-          <p:cNvPr id="234" name="Google Shape;234;g37eef9b0a1b_1_0:notes"/>
+          <p:cNvPr id="235" name="Google Shape;235;g37eef9b0a1b_1_0:notes"/>
           <p:cNvSpPr>
             <a:spLocks noGrp="1" noRot="1" noChangeAspect="1"/>
           </p:cNvSpPr>
@@ -1302,7 +1297,7 @@
       </p:sp>
       <p:sp>
         <p:nvSpPr>
-          <p:cNvPr id="235" name="Google Shape;235;g37eef9b0a1b_1_0:notes"/>
+          <p:cNvPr id="236" name="Google Shape;236;g37eef9b0a1b_1_0:notes"/>
           <p:cNvSpPr txBox="1">
             <a:spLocks noGrp="1"/>
           </p:cNvSpPr>
@@ -1359,7 +1354,7 @@
   <p:cSld>
     <p:spTree>
       <p:nvGrpSpPr>
-        <p:cNvPr id="1" name="Shape 240"/>
+        <p:cNvPr id="1" name="Shape 241"/>
         <p:cNvGrpSpPr/>
         <p:nvPr/>
       </p:nvGrpSpPr>
@@ -1373,7 +1368,7 @@
       </p:grpSpPr>
       <p:sp>
         <p:nvSpPr>
-          <p:cNvPr id="241" name="Google Shape;241;g37ec9130ab4_1_12:notes"/>
+          <p:cNvPr id="242" name="Google Shape;242;g37ec9130ab4_1_12:notes"/>
           <p:cNvSpPr>
             <a:spLocks noGrp="1" noRot="1" noChangeAspect="1"/>
           </p:cNvSpPr>
@@ -1424,7 +1419,7 @@
       </p:sp>
       <p:sp>
         <p:nvSpPr>
-          <p:cNvPr id="242" name="Google Shape;242;g37ec9130ab4_1_12:notes"/>
+          <p:cNvPr id="243" name="Google Shape;243;g37ec9130ab4_1_12:notes"/>
           <p:cNvSpPr txBox="1">
             <a:spLocks noGrp="1"/>
           </p:cNvSpPr>
@@ -1481,7 +1476,7 @@
   <p:cSld>
     <p:spTree>
       <p:nvGrpSpPr>
-        <p:cNvPr id="1" name="Shape 256"/>
+        <p:cNvPr id="1" name="Shape 257"/>
         <p:cNvGrpSpPr/>
         <p:nvPr/>
       </p:nvGrpSpPr>
@@ -1495,7 +1490,7 @@
       </p:grpSpPr>
       <p:sp>
         <p:nvSpPr>
-          <p:cNvPr id="257" name="Google Shape;257;g37e7183c33d_0_0:notes"/>
+          <p:cNvPr id="258" name="Google Shape;258;g37e7183c33d_0_0:notes"/>
           <p:cNvSpPr>
             <a:spLocks noGrp="1" noRot="1" noChangeAspect="1"/>
           </p:cNvSpPr>
@@ -1546,7 +1541,7 @@
       </p:sp>
       <p:sp>
         <p:nvSpPr>
-          <p:cNvPr id="258" name="Google Shape;258;g37e7183c33d_0_0:notes"/>
+          <p:cNvPr id="259" name="Google Shape;259;g37e7183c33d_0_0:notes"/>
           <p:cNvSpPr txBox="1">
             <a:spLocks noGrp="1"/>
           </p:cNvSpPr>
@@ -1603,7 +1598,7 @@
   <p:cSld>
     <p:spTree>
       <p:nvGrpSpPr>
-        <p:cNvPr id="1" name="Shape 271"/>
+        <p:cNvPr id="1" name="Shape 272"/>
         <p:cNvGrpSpPr/>
         <p:nvPr/>
       </p:nvGrpSpPr>
@@ -1617,7 +1612,7 @@
       </p:grpSpPr>
       <p:sp>
         <p:nvSpPr>
-          <p:cNvPr id="272" name="Google Shape;272;g37f787c3047_1_0:notes"/>
+          <p:cNvPr id="273" name="Google Shape;273;g37f787c3047_1_0:notes"/>
           <p:cNvSpPr>
             <a:spLocks noGrp="1" noRot="1" noChangeAspect="1"/>
           </p:cNvSpPr>
@@ -1668,7 +1663,7 @@
       </p:sp>
       <p:sp>
         <p:nvSpPr>
-          <p:cNvPr id="273" name="Google Shape;273;g37f787c3047_1_0:notes"/>
+          <p:cNvPr id="274" name="Google Shape;274;g37f787c3047_1_0:notes"/>
           <p:cNvSpPr txBox="1">
             <a:spLocks noGrp="1"/>
           </p:cNvSpPr>
@@ -1725,7 +1720,7 @@
   <p:cSld>
     <p:spTree>
       <p:nvGrpSpPr>
-        <p:cNvPr id="1" name="Shape 285"/>
+        <p:cNvPr id="1" name="Shape 287"/>
         <p:cNvGrpSpPr/>
         <p:nvPr/>
       </p:nvGrpSpPr>
@@ -1739,7 +1734,7 @@
       </p:grpSpPr>
       <p:sp>
         <p:nvSpPr>
-          <p:cNvPr id="286" name="Google Shape;286;g380951fb23c_1_1:notes"/>
+          <p:cNvPr id="288" name="Google Shape;288;g380951fb23c_1_1:notes"/>
           <p:cNvSpPr>
             <a:spLocks noGrp="1" noRot="1" noChangeAspect="1"/>
           </p:cNvSpPr>
@@ -1790,7 +1785,7 @@
       </p:sp>
       <p:sp>
         <p:nvSpPr>
-          <p:cNvPr id="287" name="Google Shape;287;g380951fb23c_1_1:notes"/>
+          <p:cNvPr id="289" name="Google Shape;289;g380951fb23c_1_1:notes"/>
           <p:cNvSpPr txBox="1">
             <a:spLocks noGrp="1"/>
           </p:cNvSpPr>
@@ -1847,7 +1842,7 @@
   <p:cSld>
     <p:spTree>
       <p:nvGrpSpPr>
-        <p:cNvPr id="1" name="Shape 294"/>
+        <p:cNvPr id="1" name="Shape 296"/>
         <p:cNvGrpSpPr/>
         <p:nvPr/>
       </p:nvGrpSpPr>
@@ -1861,7 +1856,7 @@
       </p:grpSpPr>
       <p:sp>
         <p:nvSpPr>
-          <p:cNvPr id="295" name="Google Shape;295;g380951fb23c_1_15:notes"/>
+          <p:cNvPr id="297" name="Google Shape;297;g380951fb23c_1_15:notes"/>
           <p:cNvSpPr>
             <a:spLocks noGrp="1" noRot="1" noChangeAspect="1"/>
           </p:cNvSpPr>
@@ -1912,7 +1907,7 @@
       </p:sp>
       <p:sp>
         <p:nvSpPr>
-          <p:cNvPr id="296" name="Google Shape;296;g380951fb23c_1_15:notes"/>
+          <p:cNvPr id="298" name="Google Shape;298;g380951fb23c_1_15:notes"/>
           <p:cNvSpPr txBox="1">
             <a:spLocks noGrp="1"/>
           </p:cNvSpPr>
@@ -1969,7 +1964,7 @@
   <p:cSld>
     <p:spTree>
       <p:nvGrpSpPr>
-        <p:cNvPr id="1" name="Shape 302"/>
+        <p:cNvPr id="1" name="Shape 304"/>
         <p:cNvGrpSpPr/>
         <p:nvPr/>
       </p:nvGrpSpPr>
@@ -1983,7 +1978,7 @@
       </p:grpSpPr>
       <p:sp>
         <p:nvSpPr>
-          <p:cNvPr id="303" name="Google Shape;303;g37fe10e66f0_0_1:notes"/>
+          <p:cNvPr id="305" name="Google Shape;305;g37fe10e66f0_0_1:notes"/>
           <p:cNvSpPr>
             <a:spLocks noGrp="1" noRot="1" noChangeAspect="1"/>
           </p:cNvSpPr>
@@ -2034,7 +2029,7 @@
       </p:sp>
       <p:sp>
         <p:nvSpPr>
-          <p:cNvPr id="304" name="Google Shape;304;g37fe10e66f0_0_1:notes"/>
+          <p:cNvPr id="306" name="Google Shape;306;g37fe10e66f0_0_1:notes"/>
           <p:cNvSpPr txBox="1">
             <a:spLocks noGrp="1"/>
           </p:cNvSpPr>
@@ -2091,7 +2086,7 @@
   <p:cSld>
     <p:spTree>
       <p:nvGrpSpPr>
-        <p:cNvPr id="1" name="Shape 312"/>
+        <p:cNvPr id="1" name="Shape 314"/>
         <p:cNvGrpSpPr/>
         <p:nvPr/>
       </p:nvGrpSpPr>
@@ -2105,7 +2100,7 @@
       </p:grpSpPr>
       <p:sp>
         <p:nvSpPr>
-          <p:cNvPr id="313" name="Google Shape;313;g38047624b4e_1_2:notes"/>
+          <p:cNvPr id="315" name="Google Shape;315;g38047624b4e_1_2:notes"/>
           <p:cNvSpPr>
             <a:spLocks noGrp="1" noRot="1" noChangeAspect="1"/>
           </p:cNvSpPr>
@@ -2156,7 +2151,7 @@
       </p:sp>
       <p:sp>
         <p:nvSpPr>
-          <p:cNvPr id="314" name="Google Shape;314;g38047624b4e_1_2:notes"/>
+          <p:cNvPr id="316" name="Google Shape;316;g38047624b4e_1_2:notes"/>
           <p:cNvSpPr txBox="1">
             <a:spLocks noGrp="1"/>
           </p:cNvSpPr>
@@ -2335,7 +2330,7 @@
   <p:cSld>
     <p:spTree>
       <p:nvGrpSpPr>
-        <p:cNvPr id="1" name="Shape 321"/>
+        <p:cNvPr id="1" name="Shape 323"/>
         <p:cNvGrpSpPr/>
         <p:nvPr/>
       </p:nvGrpSpPr>
@@ -2349,7 +2344,7 @@
       </p:grpSpPr>
       <p:sp>
         <p:nvSpPr>
-          <p:cNvPr id="322" name="Google Shape;322;g37f2f8cee09_1_32:notes"/>
+          <p:cNvPr id="324" name="Google Shape;324;g37f2f8cee09_1_32:notes"/>
           <p:cNvSpPr>
             <a:spLocks noGrp="1" noRot="1" noChangeAspect="1"/>
           </p:cNvSpPr>
@@ -2400,7 +2395,7 @@
       </p:sp>
       <p:sp>
         <p:nvSpPr>
-          <p:cNvPr id="323" name="Google Shape;323;g37f2f8cee09_1_32:notes"/>
+          <p:cNvPr id="325" name="Google Shape;325;g37f2f8cee09_1_32:notes"/>
           <p:cNvSpPr txBox="1">
             <a:spLocks noGrp="1"/>
           </p:cNvSpPr>
@@ -2457,7 +2452,7 @@
   <p:cSld>
     <p:spTree>
       <p:nvGrpSpPr>
-        <p:cNvPr id="1" name="Shape 329"/>
+        <p:cNvPr id="1" name="Shape 331"/>
         <p:cNvGrpSpPr/>
         <p:nvPr/>
       </p:nvGrpSpPr>
@@ -2471,7 +2466,7 @@
       </p:grpSpPr>
       <p:sp>
         <p:nvSpPr>
-          <p:cNvPr id="330" name="Google Shape;330;g37f2f8cee09_1_0:notes"/>
+          <p:cNvPr id="332" name="Google Shape;332;g37f2f8cee09_1_0:notes"/>
           <p:cNvSpPr>
             <a:spLocks noGrp="1" noRot="1" noChangeAspect="1"/>
           </p:cNvSpPr>
@@ -2522,7 +2517,7 @@
       </p:sp>
       <p:sp>
         <p:nvSpPr>
-          <p:cNvPr id="331" name="Google Shape;331;g37f2f8cee09_1_0:notes"/>
+          <p:cNvPr id="333" name="Google Shape;333;g37f2f8cee09_1_0:notes"/>
           <p:cNvSpPr txBox="1">
             <a:spLocks noGrp="1"/>
           </p:cNvSpPr>
@@ -2579,7 +2574,7 @@
   <p:cSld>
     <p:spTree>
       <p:nvGrpSpPr>
-        <p:cNvPr id="1" name="Shape 339"/>
+        <p:cNvPr id="1" name="Shape 341"/>
         <p:cNvGrpSpPr/>
         <p:nvPr/>
       </p:nvGrpSpPr>
@@ -2593,7 +2588,7 @@
       </p:grpSpPr>
       <p:sp>
         <p:nvSpPr>
-          <p:cNvPr id="340" name="Google Shape;340;g37ec3663322_1_14:notes"/>
+          <p:cNvPr id="342" name="Google Shape;342;g37ec3663322_1_14:notes"/>
           <p:cNvSpPr>
             <a:spLocks noGrp="1" noRot="1" noChangeAspect="1"/>
           </p:cNvSpPr>
@@ -2644,7 +2639,7 @@
       </p:sp>
       <p:sp>
         <p:nvSpPr>
-          <p:cNvPr id="341" name="Google Shape;341;g37ec3663322_1_14:notes"/>
+          <p:cNvPr id="343" name="Google Shape;343;g37ec3663322_1_14:notes"/>
           <p:cNvSpPr txBox="1">
             <a:spLocks noGrp="1"/>
           </p:cNvSpPr>
@@ -2701,7 +2696,7 @@
   <p:cSld>
     <p:spTree>
       <p:nvGrpSpPr>
-        <p:cNvPr id="1" name="Shape 346"/>
+        <p:cNvPr id="1" name="Shape 348"/>
         <p:cNvGrpSpPr/>
         <p:nvPr/>
       </p:nvGrpSpPr>
@@ -2715,7 +2710,7 @@
       </p:grpSpPr>
       <p:sp>
         <p:nvSpPr>
-          <p:cNvPr id="347" name="Google Shape;347;g37f018efc31_2_0:notes"/>
+          <p:cNvPr id="349" name="Google Shape;349;g37f018efc31_2_0:notes"/>
           <p:cNvSpPr>
             <a:spLocks noGrp="1" noRot="1" noChangeAspect="1"/>
           </p:cNvSpPr>
@@ -2766,7 +2761,7 @@
       </p:sp>
       <p:sp>
         <p:nvSpPr>
-          <p:cNvPr id="348" name="Google Shape;348;g37f018efc31_2_0:notes"/>
+          <p:cNvPr id="350" name="Google Shape;350;g37f018efc31_2_0:notes"/>
           <p:cNvSpPr txBox="1">
             <a:spLocks noGrp="1"/>
           </p:cNvSpPr>
@@ -2823,7 +2818,7 @@
   <p:cSld>
     <p:spTree>
       <p:nvGrpSpPr>
-        <p:cNvPr id="1" name="Shape 354"/>
+        <p:cNvPr id="1" name="Shape 356"/>
         <p:cNvGrpSpPr/>
         <p:nvPr/>
       </p:nvGrpSpPr>
@@ -2837,7 +2832,7 @@
       </p:grpSpPr>
       <p:sp>
         <p:nvSpPr>
-          <p:cNvPr id="355" name="Google Shape;355;g348ec0b3aa5_0_0:notes"/>
+          <p:cNvPr id="357" name="Google Shape;357;g348ec0b3aa5_0_0:notes"/>
           <p:cNvSpPr>
             <a:spLocks noGrp="1" noRot="1" noChangeAspect="1"/>
           </p:cNvSpPr>
@@ -2888,7 +2883,7 @@
       </p:sp>
       <p:sp>
         <p:nvSpPr>
-          <p:cNvPr id="356" name="Google Shape;356;g348ec0b3aa5_0_0:notes"/>
+          <p:cNvPr id="358" name="Google Shape;358;g348ec0b3aa5_0_0:notes"/>
           <p:cNvSpPr txBox="1">
             <a:spLocks noGrp="1"/>
           </p:cNvSpPr>
@@ -2945,7 +2940,7 @@
   <p:cSld>
     <p:spTree>
       <p:nvGrpSpPr>
-        <p:cNvPr id="1" name="Shape 365"/>
+        <p:cNvPr id="1" name="Shape 367"/>
         <p:cNvGrpSpPr/>
         <p:nvPr/>
       </p:nvGrpSpPr>
@@ -2959,7 +2954,7 @@
       </p:grpSpPr>
       <p:sp>
         <p:nvSpPr>
-          <p:cNvPr id="366" name="Google Shape;366;g348ec0b3aa5_0_6:notes"/>
+          <p:cNvPr id="368" name="Google Shape;368;g348ec0b3aa5_0_6:notes"/>
           <p:cNvSpPr>
             <a:spLocks noGrp="1" noRot="1" noChangeAspect="1"/>
           </p:cNvSpPr>
@@ -3010,7 +3005,7 @@
       </p:sp>
       <p:sp>
         <p:nvSpPr>
-          <p:cNvPr id="367" name="Google Shape;367;g348ec0b3aa5_0_6:notes"/>
+          <p:cNvPr id="369" name="Google Shape;369;g348ec0b3aa5_0_6:notes"/>
           <p:cNvSpPr txBox="1">
             <a:spLocks noGrp="1"/>
           </p:cNvSpPr>
@@ -3067,7 +3062,7 @@
   <p:cSld>
     <p:spTree>
       <p:nvGrpSpPr>
-        <p:cNvPr id="1" name="Shape 372"/>
+        <p:cNvPr id="1" name="Shape 374"/>
         <p:cNvGrpSpPr/>
         <p:nvPr/>
       </p:nvGrpSpPr>
@@ -3081,7 +3076,7 @@
       </p:grpSpPr>
       <p:sp>
         <p:nvSpPr>
-          <p:cNvPr id="373" name="Google Shape;373;g348ed98f05a_0_0:notes"/>
+          <p:cNvPr id="375" name="Google Shape;375;g348ed98f05a_0_0:notes"/>
           <p:cNvSpPr>
             <a:spLocks noGrp="1" noRot="1" noChangeAspect="1"/>
           </p:cNvSpPr>
@@ -3132,7 +3127,7 @@
       </p:sp>
       <p:sp>
         <p:nvSpPr>
-          <p:cNvPr id="374" name="Google Shape;374;g348ed98f05a_0_0:notes"/>
+          <p:cNvPr id="376" name="Google Shape;376;g348ed98f05a_0_0:notes"/>
           <p:cNvSpPr txBox="1">
             <a:spLocks noGrp="1"/>
           </p:cNvSpPr>
@@ -3189,7 +3184,7 @@
   <p:cSld>
     <p:spTree>
       <p:nvGrpSpPr>
-        <p:cNvPr id="1" name="Shape 379"/>
+        <p:cNvPr id="1" name="Shape 381"/>
         <p:cNvGrpSpPr/>
         <p:nvPr/>
       </p:nvGrpSpPr>
@@ -3203,7 +3198,7 @@
       </p:grpSpPr>
       <p:sp>
         <p:nvSpPr>
-          <p:cNvPr id="380" name="Google Shape;380;g380daf1fc48_0_0:notes"/>
+          <p:cNvPr id="382" name="Google Shape;382;g380daf1fc48_0_0:notes"/>
           <p:cNvSpPr>
             <a:spLocks noGrp="1" noRot="1" noChangeAspect="1"/>
           </p:cNvSpPr>
@@ -3254,7 +3249,7 @@
       </p:sp>
       <p:sp>
         <p:nvSpPr>
-          <p:cNvPr id="381" name="Google Shape;381;g380daf1fc48_0_0:notes"/>
+          <p:cNvPr id="383" name="Google Shape;383;g380daf1fc48_0_0:notes"/>
           <p:cNvSpPr txBox="1">
             <a:spLocks noGrp="1"/>
           </p:cNvSpPr>
@@ -3311,7 +3306,7 @@
   <p:cSld>
     <p:spTree>
       <p:nvGrpSpPr>
-        <p:cNvPr id="1" name="Shape 387"/>
+        <p:cNvPr id="1" name="Shape 389"/>
         <p:cNvGrpSpPr/>
         <p:nvPr/>
       </p:nvGrpSpPr>
@@ -3325,7 +3320,7 @@
       </p:grpSpPr>
       <p:sp>
         <p:nvSpPr>
-          <p:cNvPr id="388" name="Google Shape;388;p23:notes"/>
+          <p:cNvPr id="390" name="Google Shape;390;p23:notes"/>
           <p:cNvSpPr>
             <a:spLocks noGrp="1" noRot="1" noChangeAspect="1"/>
           </p:cNvSpPr>
@@ -3376,7 +3371,7 @@
       </p:sp>
       <p:sp>
         <p:nvSpPr>
-          <p:cNvPr id="389" name="Google Shape;389;p23:notes"/>
+          <p:cNvPr id="391" name="Google Shape;391;p23:notes"/>
           <p:cNvSpPr txBox="1">
             <a:spLocks noGrp="1"/>
           </p:cNvSpPr>
@@ -3433,7 +3428,7 @@
   <p:cSld>
     <p:spTree>
       <p:nvGrpSpPr>
-        <p:cNvPr id="1" name="Shape 398"/>
+        <p:cNvPr id="1" name="Shape 400"/>
         <p:cNvGrpSpPr/>
         <p:nvPr/>
       </p:nvGrpSpPr>
@@ -3447,7 +3442,7 @@
       </p:grpSpPr>
       <p:sp>
         <p:nvSpPr>
-          <p:cNvPr id="399" name="Google Shape;399;p24:notes"/>
+          <p:cNvPr id="401" name="Google Shape;401;p24:notes"/>
           <p:cNvSpPr>
             <a:spLocks noGrp="1" noRot="1" noChangeAspect="1"/>
           </p:cNvSpPr>
@@ -3498,7 +3493,7 @@
       </p:sp>
       <p:sp>
         <p:nvSpPr>
-          <p:cNvPr id="400" name="Google Shape;400;p24:notes"/>
+          <p:cNvPr id="402" name="Google Shape;402;p24:notes"/>
           <p:cNvSpPr txBox="1">
             <a:spLocks noGrp="1"/>
           </p:cNvSpPr>
@@ -3579,7 +3574,7 @@
         </p:nvSpPr>
         <p:spPr>
           <a:xfrm>
-            <a:off x="381000" y="685800"/>
+            <a:off x="381300" y="685800"/>
             <a:ext cx="6096000" cy="3429000"/>
           </a:xfrm>
           <a:custGeom>
@@ -3677,7 +3672,7 @@
   <p:cSld>
     <p:spTree>
       <p:nvGrpSpPr>
-        <p:cNvPr id="1" name="Shape 408"/>
+        <p:cNvPr id="1" name="Shape 410"/>
         <p:cNvGrpSpPr/>
         <p:nvPr/>
       </p:nvGrpSpPr>
@@ -3691,7 +3686,7 @@
       </p:grpSpPr>
       <p:sp>
         <p:nvSpPr>
-          <p:cNvPr id="409" name="Google Shape;409;p25:notes"/>
+          <p:cNvPr id="411" name="Google Shape;411;p25:notes"/>
           <p:cNvSpPr>
             <a:spLocks noGrp="1" noRot="1" noChangeAspect="1"/>
           </p:cNvSpPr>
@@ -3742,7 +3737,7 @@
       </p:sp>
       <p:sp>
         <p:nvSpPr>
-          <p:cNvPr id="410" name="Google Shape;410;p25:notes"/>
+          <p:cNvPr id="412" name="Google Shape;412;p25:notes"/>
           <p:cNvSpPr txBox="1">
             <a:spLocks noGrp="1"/>
           </p:cNvSpPr>
@@ -17561,6 +17556,136 @@
           </a:ln>
         </p:spPr>
       </p:pic>
+      <p:sp>
+        <p:nvSpPr>
+          <p:cNvPr id="233" name="Google Shape;233;p25"/>
+          <p:cNvSpPr txBox="1"/>
+          <p:nvPr/>
+        </p:nvSpPr>
+        <p:spPr>
+          <a:xfrm>
+            <a:off x="4850950" y="3914075"/>
+            <a:ext cx="4078500" cy="895800"/>
+          </a:xfrm>
+          <a:prstGeom prst="rect">
+            <a:avLst/>
+          </a:prstGeom>
+          <a:solidFill>
+            <a:srgbClr val="FFF2CC"/>
+          </a:solidFill>
+          <a:ln w="9525" cap="flat" cmpd="sng">
+            <a:solidFill>
+              <a:srgbClr val="FF0000"/>
+            </a:solidFill>
+            <a:prstDash val="solid"/>
+            <a:round/>
+            <a:headEnd type="none" w="sm" len="sm"/>
+            <a:tailEnd type="none" w="sm" len="sm"/>
+          </a:ln>
+        </p:spPr>
+        <p:txBody>
+          <a:bodyPr spcFirstLastPara="1" wrap="square" lIns="9125" tIns="9125" rIns="9125" bIns="9125" anchor="t" anchorCtr="0">
+            <a:spAutoFit/>
+          </a:bodyPr>
+          <a:lstStyle/>
+          <a:p>
+            <a:pPr marL="171450" marR="0" lvl="0" indent="-133350" algn="l" rtl="0">
+              <a:lnSpc>
+                <a:spcPct val="100000"/>
+              </a:lnSpc>
+              <a:spcBef>
+                <a:spcPts val="0"/>
+              </a:spcBef>
+              <a:spcAft>
+                <a:spcPts val="0"/>
+              </a:spcAft>
+              <a:buSzPts val="1200"/>
+              <a:buFont typeface="Calibri"/>
+              <a:buChar char="●"/>
+            </a:pPr>
+            <a:r>
+              <a:rPr lang="en" sz="1200">
+                <a:latin typeface="Calibri"/>
+                <a:ea typeface="Calibri"/>
+                <a:cs typeface="Calibri"/>
+                <a:sym typeface="Calibri"/>
+              </a:rPr>
+              <a:t>In Japanese, </a:t>
+            </a:r>
+            <a:r>
+              <a:rPr lang="en" sz="1200" b="1">
+                <a:solidFill>
+                  <a:srgbClr val="FF0000"/>
+                </a:solidFill>
+                <a:latin typeface="Calibri"/>
+                <a:ea typeface="Calibri"/>
+                <a:cs typeface="Calibri"/>
+                <a:sym typeface="Calibri"/>
+              </a:rPr>
+              <a:t>"Kiro" (岐路, きろ)</a:t>
+            </a:r>
+            <a:r>
+              <a:rPr lang="en" sz="1200">
+                <a:latin typeface="Calibri"/>
+                <a:ea typeface="Calibri"/>
+                <a:cs typeface="Calibri"/>
+                <a:sym typeface="Calibri"/>
+              </a:rPr>
+              <a:t> translates to "crossroads" or "a path" and also carries meanings like "circuit" or "route," which aligns with the IDE's theme of guiding users through development</a:t>
+            </a:r>
+            <a:endParaRPr sz="900">
+              <a:latin typeface="Calibri"/>
+              <a:ea typeface="Calibri"/>
+              <a:cs typeface="Calibri"/>
+              <a:sym typeface="Calibri"/>
+            </a:endParaRPr>
+          </a:p>
+          <a:p>
+            <a:pPr marL="171450" marR="0" lvl="0" indent="-114300" algn="l" rtl="0">
+              <a:lnSpc>
+                <a:spcPct val="100000"/>
+              </a:lnSpc>
+              <a:spcBef>
+                <a:spcPts val="0"/>
+              </a:spcBef>
+              <a:spcAft>
+                <a:spcPts val="0"/>
+              </a:spcAft>
+              <a:buSzPts val="900"/>
+              <a:buFont typeface="Calibri"/>
+              <a:buChar char="●"/>
+            </a:pPr>
+            <a:r>
+              <a:rPr lang="en" sz="900" u="sng">
+                <a:solidFill>
+                  <a:schemeClr val="hlink"/>
+                </a:solidFill>
+                <a:latin typeface="Calibri"/>
+                <a:ea typeface="Calibri"/>
+                <a:cs typeface="Calibri"/>
+                <a:sym typeface="Calibri"/>
+                <a:hlinkClick r:id="rId11"/>
+              </a:rPr>
+              <a:t>https://www.youtube.com/watch?v=YK7Z0xYcsPo</a:t>
+            </a:r>
+            <a:r>
+              <a:rPr lang="en" sz="900">
+                <a:latin typeface="Calibri"/>
+                <a:ea typeface="Calibri"/>
+                <a:cs typeface="Calibri"/>
+                <a:sym typeface="Calibri"/>
+              </a:rPr>
+              <a:t> </a:t>
+            </a:r>
+            <a:endParaRPr sz="900">
+              <a:latin typeface="Calibri"/>
+              <a:ea typeface="Calibri"/>
+              <a:cs typeface="Calibri"/>
+              <a:sym typeface="Calibri"/>
+            </a:endParaRPr>
+          </a:p>
+        </p:txBody>
+      </p:sp>
     </p:spTree>
   </p:cSld>
   <p:clrMapOvr>
@@ -17574,7 +17699,7 @@
   <p:cSld>
     <p:spTree>
       <p:nvGrpSpPr>
-        <p:cNvPr id="1" name="Shape 236"/>
+        <p:cNvPr id="1" name="Shape 237"/>
         <p:cNvGrpSpPr/>
         <p:nvPr/>
       </p:nvGrpSpPr>
@@ -17588,7 +17713,7 @@
       </p:grpSpPr>
       <p:sp>
         <p:nvSpPr>
-          <p:cNvPr id="237" name="Google Shape;237;p26"/>
+          <p:cNvPr id="238" name="Google Shape;238;p26"/>
           <p:cNvSpPr txBox="1"/>
           <p:nvPr/>
         </p:nvSpPr>
@@ -17654,7 +17779,7 @@
       </p:sp>
       <p:sp>
         <p:nvSpPr>
-          <p:cNvPr id="238" name="Google Shape;238;p26"/>
+          <p:cNvPr id="239" name="Google Shape;239;p26"/>
           <p:cNvSpPr txBox="1"/>
           <p:nvPr/>
         </p:nvSpPr>
@@ -17804,7 +17929,7 @@
                 <a:cs typeface="Calibri"/>
                 <a:sym typeface="Calibri"/>
               </a:rPr>
-              <a:t>training cost reduced to less than 1/10th</a:t>
+              <a:t>training cost reduced 10x</a:t>
             </a:r>
             <a:endParaRPr sz="1200">
               <a:solidFill>
@@ -17867,7 +17992,19 @@
                 <a:cs typeface="Calibri"/>
                 <a:sym typeface="Calibri"/>
               </a:rPr>
-              <a:t>- Hybrid attention (Gated DeltaNet + Gated Attention)</a:t>
+              <a:t>- </a:t>
+            </a:r>
+            <a:r>
+              <a:rPr lang="en" sz="1200" b="1">
+                <a:solidFill>
+                  <a:srgbClr val="3C78D8"/>
+                </a:solidFill>
+                <a:latin typeface="Calibri"/>
+                <a:ea typeface="Calibri"/>
+                <a:cs typeface="Calibri"/>
+                <a:sym typeface="Calibri"/>
+              </a:rPr>
+              <a:t>Hybrid attention (Gated DeltaNet + Gated Attention)</a:t>
             </a:r>
             <a:br>
               <a:rPr lang="en" sz="1200">
@@ -17890,7 +18027,31 @@
                 <a:cs typeface="Calibri"/>
                 <a:sym typeface="Calibri"/>
               </a:rPr>
-              <a:t>- Sparse MoE (only 3B out of 80B) are active at any forward pass</a:t>
+              <a:t>- </a:t>
+            </a:r>
+            <a:r>
+              <a:rPr lang="en" sz="1200" b="1">
+                <a:solidFill>
+                  <a:srgbClr val="3C78D8"/>
+                </a:solidFill>
+                <a:latin typeface="Calibri"/>
+                <a:ea typeface="Calibri"/>
+                <a:cs typeface="Calibri"/>
+                <a:sym typeface="Calibri"/>
+              </a:rPr>
+              <a:t>Sparse MoE (only 3B out of 80B)</a:t>
+            </a:r>
+            <a:r>
+              <a:rPr lang="en" sz="1200">
+                <a:solidFill>
+                  <a:schemeClr val="dk1"/>
+                </a:solidFill>
+                <a:latin typeface="Calibri"/>
+                <a:ea typeface="Calibri"/>
+                <a:cs typeface="Calibri"/>
+                <a:sym typeface="Calibri"/>
+              </a:rPr>
+              <a:t> are active at any forward pass</a:t>
             </a:r>
             <a:endParaRPr sz="1200">
               <a:solidFill>
@@ -17998,7 +18159,7 @@
       </p:sp>
       <p:pic>
         <p:nvPicPr>
-          <p:cNvPr id="239" name="Google Shape;239;p26"/>
+          <p:cNvPr id="240" name="Google Shape;240;p26"/>
           <p:cNvPicPr preferRelativeResize="0"/>
           <p:nvPr/>
         </p:nvPicPr>
@@ -18042,7 +18203,7 @@
   <p:cSld>
     <p:spTree>
       <p:nvGrpSpPr>
-        <p:cNvPr id="1" name="Shape 243"/>
+        <p:cNvPr id="1" name="Shape 244"/>
         <p:cNvGrpSpPr/>
         <p:nvPr/>
       </p:nvGrpSpPr>
@@ -18056,7 +18217,7 @@
       </p:grpSpPr>
       <p:sp>
         <p:nvSpPr>
-          <p:cNvPr id="244" name="Google Shape;244;p27"/>
+          <p:cNvPr id="245" name="Google Shape;245;p27"/>
           <p:cNvSpPr txBox="1"/>
           <p:nvPr/>
         </p:nvSpPr>
@@ -18122,7 +18283,7 @@
       </p:sp>
       <p:sp>
         <p:nvSpPr>
-          <p:cNvPr id="245" name="Google Shape;245;p27"/>
+          <p:cNvPr id="246" name="Google Shape;246;p27"/>
           <p:cNvSpPr txBox="1"/>
           <p:nvPr/>
         </p:nvSpPr>
@@ -18368,7 +18529,7 @@
       </p:sp>
       <p:pic>
         <p:nvPicPr>
-          <p:cNvPr id="246" name="Google Shape;246;p27"/>
+          <p:cNvPr id="247" name="Google Shape;247;p27"/>
           <p:cNvPicPr preferRelativeResize="0"/>
           <p:nvPr/>
         </p:nvPicPr>
@@ -18402,7 +18563,7 @@
       </p:pic>
       <p:sp>
         <p:nvSpPr>
-          <p:cNvPr id="247" name="Google Shape;247;p27"/>
+          <p:cNvPr id="248" name="Google Shape;248;p27"/>
           <p:cNvSpPr txBox="1"/>
           <p:nvPr/>
         </p:nvSpPr>
@@ -18612,7 +18773,7 @@
       </p:sp>
       <p:pic>
         <p:nvPicPr>
-          <p:cNvPr id="248" name="Google Shape;248;p27"/>
+          <p:cNvPr id="249" name="Google Shape;249;p27"/>
           <p:cNvPicPr preferRelativeResize="0"/>
           <p:nvPr/>
         </p:nvPicPr>
@@ -18645,7 +18806,7 @@
       </p:pic>
       <p:sp>
         <p:nvSpPr>
-          <p:cNvPr id="249" name="Google Shape;249;p27"/>
+          <p:cNvPr id="250" name="Google Shape;250;p27"/>
           <p:cNvSpPr txBox="1"/>
           <p:nvPr/>
         </p:nvSpPr>
@@ -18714,7 +18875,7 @@
       </p:sp>
       <p:sp>
         <p:nvSpPr>
-          <p:cNvPr id="250" name="Google Shape;250;p27"/>
+          <p:cNvPr id="251" name="Google Shape;251;p27"/>
           <p:cNvSpPr txBox="1"/>
           <p:nvPr/>
         </p:nvSpPr>
@@ -18783,7 +18944,7 @@
       </p:sp>
       <p:sp>
         <p:nvSpPr>
-          <p:cNvPr id="251" name="Google Shape;251;p27"/>
+          <p:cNvPr id="252" name="Google Shape;252;p27"/>
           <p:cNvSpPr txBox="1"/>
           <p:nvPr/>
         </p:nvSpPr>
@@ -18852,7 +19013,7 @@
       </p:sp>
       <p:sp>
         <p:nvSpPr>
-          <p:cNvPr id="252" name="Google Shape;252;p27"/>
+          <p:cNvPr id="253" name="Google Shape;253;p27"/>
           <p:cNvSpPr txBox="1"/>
           <p:nvPr/>
         </p:nvSpPr>
@@ -18921,7 +19082,7 @@
       </p:sp>
       <p:pic>
         <p:nvPicPr>
-          <p:cNvPr id="253" name="Google Shape;253;p27"/>
+          <p:cNvPr id="254" name="Google Shape;254;p27"/>
           <p:cNvPicPr preferRelativeResize="0"/>
           <p:nvPr/>
         </p:nvPicPr>
@@ -18954,7 +19115,7 @@
       </p:pic>
       <p:pic>
         <p:nvPicPr>
-          <p:cNvPr id="254" name="Google Shape;254;p27"/>
+          <p:cNvPr id="255" name="Google Shape;255;p27"/>
           <p:cNvPicPr preferRelativeResize="0"/>
           <p:nvPr/>
         </p:nvPicPr>
@@ -18987,7 +19148,7 @@
       </p:pic>
       <p:pic>
         <p:nvPicPr>
-          <p:cNvPr id="255" name="Google Shape;255;p27"/>
+          <p:cNvPr id="256" name="Google Shape;256;p27"/>
           <p:cNvPicPr preferRelativeResize="0"/>
           <p:nvPr/>
         </p:nvPicPr>
@@ -19031,7 +19192,7 @@
   <p:cSld>
     <p:spTree>
       <p:nvGrpSpPr>
-        <p:cNvPr id="1" name="Shape 259"/>
+        <p:cNvPr id="1" name="Shape 260"/>
         <p:cNvGrpSpPr/>
         <p:nvPr/>
       </p:nvGrpSpPr>
@@ -19045,7 +19206,7 @@
       </p:grpSpPr>
       <p:sp>
         <p:nvSpPr>
-          <p:cNvPr id="260" name="Google Shape;260;p28"/>
+          <p:cNvPr id="261" name="Google Shape;261;p28"/>
           <p:cNvSpPr txBox="1"/>
           <p:nvPr/>
         </p:nvSpPr>
@@ -19111,7 +19272,7 @@
       </p:sp>
       <p:sp>
         <p:nvSpPr>
-          <p:cNvPr id="261" name="Google Shape;261;p28"/>
+          <p:cNvPr id="262" name="Google Shape;262;p28"/>
           <p:cNvSpPr txBox="1"/>
           <p:nvPr/>
         </p:nvSpPr>
@@ -19221,7 +19382,7 @@
                 <a:cs typeface="Calibri"/>
                 <a:sym typeface="Calibri"/>
               </a:rPr>
-              <a:t>Millions of YouTubers can add dubbing to their videos in different languages</a:t>
+              <a:t>Millions of YouTubers can add AI-generated dubbing to their videos in different languages</a:t>
             </a:r>
             <a:endParaRPr sz="1200">
               <a:solidFill>
@@ -19277,7 +19438,7 @@
       </p:sp>
       <p:sp>
         <p:nvSpPr>
-          <p:cNvPr id="262" name="Google Shape;262;p28"/>
+          <p:cNvPr id="263" name="Google Shape;263;p28"/>
           <p:cNvSpPr txBox="1"/>
           <p:nvPr/>
         </p:nvSpPr>
@@ -19386,7 +19547,7 @@
       </p:sp>
       <p:sp>
         <p:nvSpPr>
-          <p:cNvPr id="263" name="Google Shape;263;p28"/>
+          <p:cNvPr id="264" name="Google Shape;264;p28"/>
           <p:cNvSpPr txBox="1"/>
           <p:nvPr/>
         </p:nvSpPr>
@@ -19483,7 +19644,7 @@
       </p:sp>
       <p:sp>
         <p:nvSpPr>
-          <p:cNvPr id="264" name="Google Shape;264;p28"/>
+          <p:cNvPr id="265" name="Google Shape;265;p28"/>
           <p:cNvSpPr txBox="1"/>
           <p:nvPr/>
         </p:nvSpPr>
@@ -19633,7 +19794,7 @@
       </p:sp>
       <p:pic>
         <p:nvPicPr>
-          <p:cNvPr id="265" name="Google Shape;265;p28"/>
+          <p:cNvPr id="266" name="Google Shape;266;p28"/>
           <p:cNvPicPr preferRelativeResize="0"/>
           <p:nvPr/>
         </p:nvPicPr>
@@ -19671,7 +19832,7 @@
       </p:pic>
       <p:pic>
         <p:nvPicPr>
-          <p:cNvPr id="266" name="Google Shape;266;p28"/>
+          <p:cNvPr id="267" name="Google Shape;267;p28"/>
           <p:cNvPicPr preferRelativeResize="0"/>
           <p:nvPr/>
         </p:nvPicPr>
@@ -19710,7 +19871,7 @@
       </p:pic>
       <p:pic>
         <p:nvPicPr>
-          <p:cNvPr id="267" name="Google Shape;267;p28"/>
+          <p:cNvPr id="268" name="Google Shape;268;p28"/>
           <p:cNvPicPr preferRelativeResize="0"/>
           <p:nvPr/>
         </p:nvPicPr>
@@ -19749,7 +19910,7 @@
       </p:pic>
       <p:sp>
         <p:nvSpPr>
-          <p:cNvPr id="268" name="Google Shape;268;p28"/>
+          <p:cNvPr id="269" name="Google Shape;269;p28"/>
           <p:cNvSpPr txBox="1"/>
           <p:nvPr/>
         </p:nvSpPr>
@@ -19869,7 +20030,7 @@
       </p:sp>
       <p:pic>
         <p:nvPicPr>
-          <p:cNvPr id="269" name="Google Shape;269;p28"/>
+          <p:cNvPr id="270" name="Google Shape;270;p28"/>
           <p:cNvPicPr preferRelativeResize="0"/>
           <p:nvPr/>
         </p:nvPicPr>
@@ -19907,7 +20068,7 @@
       </p:pic>
       <p:pic>
         <p:nvPicPr>
-          <p:cNvPr id="270" name="Google Shape;270;p28"/>
+          <p:cNvPr id="271" name="Google Shape;271;p28"/>
           <p:cNvPicPr preferRelativeResize="0"/>
           <p:nvPr/>
         </p:nvPicPr>
@@ -19957,7 +20118,7 @@
   <p:cSld>
     <p:spTree>
       <p:nvGrpSpPr>
-        <p:cNvPr id="1" name="Shape 274"/>
+        <p:cNvPr id="1" name="Shape 275"/>
         <p:cNvGrpSpPr/>
         <p:nvPr/>
       </p:nvGrpSpPr>
@@ -19971,7 +20132,7 @@
       </p:grpSpPr>
       <p:sp>
         <p:nvSpPr>
-          <p:cNvPr id="275" name="Google Shape;275;p29"/>
+          <p:cNvPr id="276" name="Google Shape;276;p29"/>
           <p:cNvSpPr txBox="1"/>
           <p:nvPr/>
         </p:nvSpPr>
@@ -20037,13 +20198,198 @@
       </p:sp>
       <p:sp>
         <p:nvSpPr>
-          <p:cNvPr id="276" name="Google Shape;276;p29"/>
+          <p:cNvPr id="277" name="Google Shape;277;p29"/>
           <p:cNvSpPr txBox="1"/>
           <p:nvPr/>
         </p:nvSpPr>
         <p:spPr>
           <a:xfrm>
-            <a:off x="55075" y="379725"/>
+            <a:off x="134100" y="510550"/>
+            <a:ext cx="4387500" cy="387900"/>
+          </a:xfrm>
+          <a:prstGeom prst="rect">
+            <a:avLst/>
+          </a:prstGeom>
+          <a:solidFill>
+            <a:srgbClr val="FFF2CC"/>
+          </a:solidFill>
+          <a:ln w="9525" cap="flat" cmpd="sng">
+            <a:solidFill>
+              <a:srgbClr val="FF0000"/>
+            </a:solidFill>
+            <a:prstDash val="solid"/>
+            <a:round/>
+            <a:headEnd type="none" w="sm" len="sm"/>
+            <a:tailEnd type="none" w="sm" len="sm"/>
+          </a:ln>
+        </p:spPr>
+        <p:txBody>
+          <a:bodyPr spcFirstLastPara="1" wrap="square" lIns="9125" tIns="9125" rIns="9125" bIns="9125" anchor="t" anchorCtr="0">
+            <a:spAutoFit/>
+          </a:bodyPr>
+          <a:lstStyle/>
+          <a:p>
+            <a:pPr marL="0" marR="0" lvl="0" indent="0" algn="l" rtl="0">
+              <a:lnSpc>
+                <a:spcPct val="100000"/>
+              </a:lnSpc>
+              <a:spcBef>
+                <a:spcPts val="0"/>
+              </a:spcBef>
+              <a:spcAft>
+                <a:spcPts val="0"/>
+              </a:spcAft>
+              <a:buNone/>
+            </a:pPr>
+            <a:r>
+              <a:rPr lang="en" sz="1200" b="1">
+                <a:solidFill>
+                  <a:srgbClr val="FF0000"/>
+                </a:solidFill>
+                <a:latin typeface="Calibri"/>
+                <a:ea typeface="Calibri"/>
+                <a:cs typeface="Calibri"/>
+                <a:sym typeface="Calibri"/>
+              </a:rPr>
+              <a:t>NVIDIA Rubin CPX</a:t>
+            </a:r>
+            <a:r>
+              <a:rPr lang="en" sz="1200">
+                <a:solidFill>
+                  <a:schemeClr val="dk1"/>
+                </a:solidFill>
+                <a:latin typeface="Calibri"/>
+                <a:ea typeface="Calibri"/>
+                <a:cs typeface="Calibri"/>
+                <a:sym typeface="Calibri"/>
+              </a:rPr>
+              <a:t> - New GPU class for massive context inference, handling million-token applications with 8 exaflops performance</a:t>
+            </a:r>
+            <a:endParaRPr sz="1200">
+              <a:solidFill>
+                <a:schemeClr val="dk1"/>
+              </a:solidFill>
+              <a:latin typeface="Calibri"/>
+              <a:ea typeface="Calibri"/>
+              <a:cs typeface="Calibri"/>
+              <a:sym typeface="Calibri"/>
+            </a:endParaRPr>
+          </a:p>
+        </p:txBody>
+      </p:sp>
+      <p:sp>
+        <p:nvSpPr>
+          <p:cNvPr id="278" name="Google Shape;278;p29"/>
+          <p:cNvSpPr txBox="1"/>
+          <p:nvPr/>
+        </p:nvSpPr>
+        <p:spPr>
+          <a:xfrm>
+            <a:off x="938652" y="1768413"/>
+            <a:ext cx="4387500" cy="387900"/>
+          </a:xfrm>
+          <a:prstGeom prst="rect">
+            <a:avLst/>
+          </a:prstGeom>
+          <a:solidFill>
+            <a:srgbClr val="FFF2CC"/>
+          </a:solidFill>
+          <a:ln w="9525" cap="flat" cmpd="sng">
+            <a:solidFill>
+              <a:srgbClr val="FF0000"/>
+            </a:solidFill>
+            <a:prstDash val="solid"/>
+            <a:round/>
+            <a:headEnd type="none" w="sm" len="sm"/>
+            <a:tailEnd type="none" w="sm" len="sm"/>
+          </a:ln>
+        </p:spPr>
+        <p:txBody>
+          <a:bodyPr spcFirstLastPara="1" wrap="square" lIns="9125" tIns="9125" rIns="9125" bIns="9125" anchor="t" anchorCtr="0">
+            <a:spAutoFit/>
+          </a:bodyPr>
+          <a:lstStyle/>
+          <a:p>
+            <a:pPr marL="0" marR="0" lvl="0" indent="0" algn="l" rtl="0">
+              <a:lnSpc>
+                <a:spcPct val="100000"/>
+              </a:lnSpc>
+              <a:spcBef>
+                <a:spcPts val="0"/>
+              </a:spcBef>
+              <a:spcAft>
+                <a:spcPts val="0"/>
+              </a:spcAft>
+              <a:buNone/>
+            </a:pPr>
+            <a:r>
+              <a:rPr lang="en" sz="1200" b="1">
+                <a:solidFill>
+                  <a:srgbClr val="FF0000"/>
+                </a:solidFill>
+                <a:latin typeface="Calibri"/>
+                <a:ea typeface="Calibri"/>
+                <a:cs typeface="Calibri"/>
+                <a:sym typeface="Calibri"/>
+              </a:rPr>
+              <a:t>Alibaba Qwen 3 Max </a:t>
+            </a:r>
+            <a:endParaRPr sz="1200" b="1">
+              <a:solidFill>
+                <a:srgbClr val="FF0000"/>
+              </a:solidFill>
+              <a:latin typeface="Calibri"/>
+              <a:ea typeface="Calibri"/>
+              <a:cs typeface="Calibri"/>
+              <a:sym typeface="Calibri"/>
+            </a:endParaRPr>
+          </a:p>
+          <a:p>
+            <a:pPr marL="0" marR="0" lvl="0" indent="0" algn="l" rtl="0">
+              <a:lnSpc>
+                <a:spcPct val="100000"/>
+              </a:lnSpc>
+              <a:spcBef>
+                <a:spcPts val="0"/>
+              </a:spcBef>
+              <a:spcAft>
+                <a:spcPts val="0"/>
+              </a:spcAft>
+              <a:buNone/>
+            </a:pPr>
+            <a:r>
+              <a:rPr lang="en" sz="1200">
+                <a:solidFill>
+                  <a:schemeClr val="dk1"/>
+                </a:solidFill>
+                <a:latin typeface="Calibri"/>
+                <a:ea typeface="Calibri"/>
+                <a:cs typeface="Calibri"/>
+                <a:sym typeface="Calibri"/>
+              </a:rPr>
+              <a:t>Second most intelligent non-reasoning model over 1T params</a:t>
+            </a:r>
+            <a:endParaRPr sz="1200">
+              <a:solidFill>
+                <a:schemeClr val="dk1"/>
+              </a:solidFill>
+              <a:latin typeface="Calibri"/>
+              <a:ea typeface="Calibri"/>
+              <a:cs typeface="Calibri"/>
+              <a:sym typeface="Calibri"/>
+            </a:endParaRPr>
+          </a:p>
+        </p:txBody>
+      </p:sp>
+      <p:sp>
+        <p:nvSpPr>
+          <p:cNvPr id="279" name="Google Shape;279;p29"/>
+          <p:cNvSpPr txBox="1"/>
+          <p:nvPr/>
+        </p:nvSpPr>
+        <p:spPr>
+          <a:xfrm>
+            <a:off x="1254750" y="2852300"/>
             <a:ext cx="4387500" cy="572700"/>
           </a:xfrm>
           <a:prstGeom prst="rect">
@@ -20090,8 +20436,31 @@
                 <a:cs typeface="Calibri"/>
                 <a:sym typeface="Calibri"/>
               </a:rPr>
-              <a:t>Alter Ego "Silent Sense" wearable device</a:t>
-            </a:r>
+              <a:t>Tencent Hunyuan Image 2.1</a:t>
+            </a:r>
+            <a:endParaRPr sz="1200" b="1">
+              <a:solidFill>
+                <a:srgbClr val="FF0000"/>
+              </a:solidFill>
+              <a:latin typeface="Calibri"/>
+              <a:ea typeface="Calibri"/>
+              <a:cs typeface="Calibri"/>
+              <a:sym typeface="Calibri"/>
+            </a:endParaRPr>
+          </a:p>
+          <a:p>
+            <a:pPr marL="0" marR="0" lvl="0" indent="0" algn="l" rtl="0">
+              <a:lnSpc>
+                <a:spcPct val="100000"/>
+              </a:lnSpc>
+              <a:spcBef>
+                <a:spcPts val="0"/>
+              </a:spcBef>
+              <a:spcAft>
+                <a:spcPts val="0"/>
+              </a:spcAft>
+              <a:buNone/>
+            </a:pPr>
             <a:r>
               <a:rPr lang="en" sz="1200">
                 <a:solidFill>
@@ -20102,7 +20471,42 @@
                 <a:cs typeface="Calibri"/>
                 <a:sym typeface="Calibri"/>
               </a:rPr>
-              <a:t> that detects brain signals to speech systems, enabling "telepathic" communication by picking up intended speech without vocalization</a:t>
+              <a:t>Open-source text-to-image model </a:t>
+            </a:r>
+            <a:endParaRPr sz="1200">
+              <a:solidFill>
+                <a:schemeClr val="dk1"/>
+              </a:solidFill>
+              <a:latin typeface="Calibri"/>
+              <a:ea typeface="Calibri"/>
+              <a:cs typeface="Calibri"/>
+              <a:sym typeface="Calibri"/>
+            </a:endParaRPr>
+          </a:p>
+          <a:p>
+            <a:pPr marL="0" marR="0" lvl="0" indent="0" algn="l" rtl="0">
+              <a:lnSpc>
+                <a:spcPct val="100000"/>
+              </a:lnSpc>
+              <a:spcBef>
+                <a:spcPts val="0"/>
+              </a:spcBef>
+              <a:spcAft>
+                <a:spcPts val="0"/>
+              </a:spcAft>
+              <a:buNone/>
+            </a:pPr>
+            <a:r>
+              <a:rPr lang="en" sz="1200">
+                <a:solidFill>
+                  <a:schemeClr val="dk1"/>
+                </a:solidFill>
+                <a:latin typeface="Calibri"/>
+                <a:ea typeface="Calibri"/>
+                <a:cs typeface="Calibri"/>
+                <a:sym typeface="Calibri"/>
+              </a:rPr>
+              <a:t>supporting ultra-long prompts up to 1,000 tokens</a:t>
             </a:r>
             <a:endParaRPr sz="1200">
               <a:solidFill>
@@ -20118,13 +20522,13 @@
       </p:sp>
       <p:sp>
         <p:nvSpPr>
-          <p:cNvPr id="277" name="Google Shape;277;p29"/>
+          <p:cNvPr id="280" name="Google Shape;280;p29"/>
           <p:cNvSpPr txBox="1"/>
           <p:nvPr/>
         </p:nvSpPr>
         <p:spPr>
           <a:xfrm>
-            <a:off x="55075" y="1014975"/>
+            <a:off x="55075" y="3867577"/>
             <a:ext cx="4387500" cy="387900"/>
           </a:xfrm>
           <a:prstGeom prst="rect">
@@ -20171,330 +20575,6 @@
                 <a:cs typeface="Calibri"/>
                 <a:sym typeface="Calibri"/>
               </a:rPr>
-              <a:t>NVIDIA Rubin CPX</a:t>
-            </a:r>
-            <a:r>
-              <a:rPr lang="en" sz="1200">
-                <a:solidFill>
-                  <a:schemeClr val="dk1"/>
-                </a:solidFill>
-                <a:latin typeface="Calibri"/>
-                <a:ea typeface="Calibri"/>
-                <a:cs typeface="Calibri"/>
-                <a:sym typeface="Calibri"/>
-              </a:rPr>
-              <a:t> - New GPU class for massive context inference, handling million-token applications with 8 exaflops performance</a:t>
-            </a:r>
-            <a:endParaRPr sz="1200">
-              <a:solidFill>
-                <a:schemeClr val="dk1"/>
-              </a:solidFill>
-              <a:latin typeface="Calibri"/>
-              <a:ea typeface="Calibri"/>
-              <a:cs typeface="Calibri"/>
-              <a:sym typeface="Calibri"/>
-            </a:endParaRPr>
-          </a:p>
-        </p:txBody>
-      </p:sp>
-      <p:sp>
-        <p:nvSpPr>
-          <p:cNvPr id="278" name="Google Shape;278;p29"/>
-          <p:cNvSpPr txBox="1"/>
-          <p:nvPr/>
-        </p:nvSpPr>
-        <p:spPr>
-          <a:xfrm>
-            <a:off x="55075" y="1472175"/>
-            <a:ext cx="4387500" cy="387900"/>
-          </a:xfrm>
-          <a:prstGeom prst="rect">
-            <a:avLst/>
-          </a:prstGeom>
-          <a:solidFill>
-            <a:srgbClr val="FFF2CC"/>
-          </a:solidFill>
-          <a:ln w="9525" cap="flat" cmpd="sng">
-            <a:solidFill>
-              <a:srgbClr val="FF0000"/>
-            </a:solidFill>
-            <a:prstDash val="solid"/>
-            <a:round/>
-            <a:headEnd type="none" w="sm" len="sm"/>
-            <a:tailEnd type="none" w="sm" len="sm"/>
-          </a:ln>
-        </p:spPr>
-        <p:txBody>
-          <a:bodyPr spcFirstLastPara="1" wrap="square" lIns="9125" tIns="9125" rIns="9125" bIns="9125" anchor="t" anchorCtr="0">
-            <a:spAutoFit/>
-          </a:bodyPr>
-          <a:lstStyle/>
-          <a:p>
-            <a:pPr marL="0" marR="0" lvl="0" indent="0" algn="l" rtl="0">
-              <a:lnSpc>
-                <a:spcPct val="100000"/>
-              </a:lnSpc>
-              <a:spcBef>
-                <a:spcPts val="0"/>
-              </a:spcBef>
-              <a:spcAft>
-                <a:spcPts val="0"/>
-              </a:spcAft>
-              <a:buNone/>
-            </a:pPr>
-            <a:r>
-              <a:rPr lang="en" sz="1200" b="1">
-                <a:solidFill>
-                  <a:srgbClr val="FF0000"/>
-                </a:solidFill>
-                <a:latin typeface="Calibri"/>
-                <a:ea typeface="Calibri"/>
-                <a:cs typeface="Calibri"/>
-                <a:sym typeface="Calibri"/>
-              </a:rPr>
-              <a:t>Alibaba Qwen 3 Max </a:t>
-            </a:r>
-            <a:endParaRPr sz="1200" b="1">
-              <a:solidFill>
-                <a:srgbClr val="FF0000"/>
-              </a:solidFill>
-              <a:latin typeface="Calibri"/>
-              <a:ea typeface="Calibri"/>
-              <a:cs typeface="Calibri"/>
-              <a:sym typeface="Calibri"/>
-            </a:endParaRPr>
-          </a:p>
-          <a:p>
-            <a:pPr marL="0" marR="0" lvl="0" indent="0" algn="l" rtl="0">
-              <a:lnSpc>
-                <a:spcPct val="100000"/>
-              </a:lnSpc>
-              <a:spcBef>
-                <a:spcPts val="0"/>
-              </a:spcBef>
-              <a:spcAft>
-                <a:spcPts val="0"/>
-              </a:spcAft>
-              <a:buNone/>
-            </a:pPr>
-            <a:r>
-              <a:rPr lang="en" sz="1200">
-                <a:solidFill>
-                  <a:schemeClr val="dk1"/>
-                </a:solidFill>
-                <a:latin typeface="Calibri"/>
-                <a:ea typeface="Calibri"/>
-                <a:cs typeface="Calibri"/>
-                <a:sym typeface="Calibri"/>
-              </a:rPr>
-              <a:t>Second most intelligent non-reasoning model over 1T params</a:t>
-            </a:r>
-            <a:endParaRPr sz="1200">
-              <a:solidFill>
-                <a:schemeClr val="dk1"/>
-              </a:solidFill>
-              <a:latin typeface="Calibri"/>
-              <a:ea typeface="Calibri"/>
-              <a:cs typeface="Calibri"/>
-              <a:sym typeface="Calibri"/>
-            </a:endParaRPr>
-          </a:p>
-        </p:txBody>
-      </p:sp>
-      <p:sp>
-        <p:nvSpPr>
-          <p:cNvPr id="279" name="Google Shape;279;p29"/>
-          <p:cNvSpPr txBox="1"/>
-          <p:nvPr/>
-        </p:nvSpPr>
-        <p:spPr>
-          <a:xfrm>
-            <a:off x="55075" y="1929375"/>
-            <a:ext cx="4387500" cy="572700"/>
-          </a:xfrm>
-          <a:prstGeom prst="rect">
-            <a:avLst/>
-          </a:prstGeom>
-          <a:solidFill>
-            <a:srgbClr val="FFF2CC"/>
-          </a:solidFill>
-          <a:ln w="9525" cap="flat" cmpd="sng">
-            <a:solidFill>
-              <a:srgbClr val="FF0000"/>
-            </a:solidFill>
-            <a:prstDash val="solid"/>
-            <a:round/>
-            <a:headEnd type="none" w="sm" len="sm"/>
-            <a:tailEnd type="none" w="sm" len="sm"/>
-          </a:ln>
-        </p:spPr>
-        <p:txBody>
-          <a:bodyPr spcFirstLastPara="1" wrap="square" lIns="9125" tIns="9125" rIns="9125" bIns="9125" anchor="t" anchorCtr="0">
-            <a:spAutoFit/>
-          </a:bodyPr>
-          <a:lstStyle/>
-          <a:p>
-            <a:pPr marL="0" marR="0" lvl="0" indent="0" algn="l" rtl="0">
-              <a:lnSpc>
-                <a:spcPct val="100000"/>
-              </a:lnSpc>
-              <a:spcBef>
-                <a:spcPts val="0"/>
-              </a:spcBef>
-              <a:spcAft>
-                <a:spcPts val="0"/>
-              </a:spcAft>
-              <a:buNone/>
-            </a:pPr>
-            <a:r>
-              <a:rPr lang="en" sz="1200" b="1">
-                <a:solidFill>
-                  <a:srgbClr val="FF0000"/>
-                </a:solidFill>
-                <a:latin typeface="Calibri"/>
-                <a:ea typeface="Calibri"/>
-                <a:cs typeface="Calibri"/>
-                <a:sym typeface="Calibri"/>
-              </a:rPr>
-              <a:t>Tencent Hunyuan Image 2.1</a:t>
-            </a:r>
-            <a:endParaRPr sz="1200" b="1">
-              <a:solidFill>
-                <a:srgbClr val="FF0000"/>
-              </a:solidFill>
-              <a:latin typeface="Calibri"/>
-              <a:ea typeface="Calibri"/>
-              <a:cs typeface="Calibri"/>
-              <a:sym typeface="Calibri"/>
-            </a:endParaRPr>
-          </a:p>
-          <a:p>
-            <a:pPr marL="0" marR="0" lvl="0" indent="0" algn="l" rtl="0">
-              <a:lnSpc>
-                <a:spcPct val="100000"/>
-              </a:lnSpc>
-              <a:spcBef>
-                <a:spcPts val="0"/>
-              </a:spcBef>
-              <a:spcAft>
-                <a:spcPts val="0"/>
-              </a:spcAft>
-              <a:buNone/>
-            </a:pPr>
-            <a:r>
-              <a:rPr lang="en" sz="1200">
-                <a:solidFill>
-                  <a:schemeClr val="dk1"/>
-                </a:solidFill>
-                <a:latin typeface="Calibri"/>
-                <a:ea typeface="Calibri"/>
-                <a:cs typeface="Calibri"/>
-                <a:sym typeface="Calibri"/>
-              </a:rPr>
-              <a:t>Open-source text-to-image model </a:t>
-            </a:r>
-            <a:endParaRPr sz="1200">
-              <a:solidFill>
-                <a:schemeClr val="dk1"/>
-              </a:solidFill>
-              <a:latin typeface="Calibri"/>
-              <a:ea typeface="Calibri"/>
-              <a:cs typeface="Calibri"/>
-              <a:sym typeface="Calibri"/>
-            </a:endParaRPr>
-          </a:p>
-          <a:p>
-            <a:pPr marL="0" marR="0" lvl="0" indent="0" algn="l" rtl="0">
-              <a:lnSpc>
-                <a:spcPct val="100000"/>
-              </a:lnSpc>
-              <a:spcBef>
-                <a:spcPts val="0"/>
-              </a:spcBef>
-              <a:spcAft>
-                <a:spcPts val="0"/>
-              </a:spcAft>
-              <a:buNone/>
-            </a:pPr>
-            <a:r>
-              <a:rPr lang="en" sz="1200">
-                <a:solidFill>
-                  <a:schemeClr val="dk1"/>
-                </a:solidFill>
-                <a:latin typeface="Calibri"/>
-                <a:ea typeface="Calibri"/>
-                <a:cs typeface="Calibri"/>
-                <a:sym typeface="Calibri"/>
-              </a:rPr>
-              <a:t>supporting ultra-long prompts up to 1,000 tokens</a:t>
-            </a:r>
-            <a:endParaRPr sz="1200">
-              <a:solidFill>
-                <a:schemeClr val="dk1"/>
-              </a:solidFill>
-              <a:latin typeface="Calibri"/>
-              <a:ea typeface="Calibri"/>
-              <a:cs typeface="Calibri"/>
-              <a:sym typeface="Calibri"/>
-            </a:endParaRPr>
-          </a:p>
-        </p:txBody>
-      </p:sp>
-      <p:sp>
-        <p:nvSpPr>
-          <p:cNvPr id="280" name="Google Shape;280;p29"/>
-          <p:cNvSpPr txBox="1"/>
-          <p:nvPr/>
-        </p:nvSpPr>
-        <p:spPr>
-          <a:xfrm>
-            <a:off x="55075" y="2630415"/>
-            <a:ext cx="4387500" cy="387900"/>
-          </a:xfrm>
-          <a:prstGeom prst="rect">
-            <a:avLst/>
-          </a:prstGeom>
-          <a:solidFill>
-            <a:srgbClr val="FFF2CC"/>
-          </a:solidFill>
-          <a:ln w="9525" cap="flat" cmpd="sng">
-            <a:solidFill>
-              <a:srgbClr val="FF0000"/>
-            </a:solidFill>
-            <a:prstDash val="solid"/>
-            <a:round/>
-            <a:headEnd type="none" w="sm" len="sm"/>
-            <a:tailEnd type="none" w="sm" len="sm"/>
-          </a:ln>
-        </p:spPr>
-        <p:txBody>
-          <a:bodyPr spcFirstLastPara="1" wrap="square" lIns="9125" tIns="9125" rIns="9125" bIns="9125" anchor="t" anchorCtr="0">
-            <a:spAutoFit/>
-          </a:bodyPr>
-          <a:lstStyle/>
-          <a:p>
-            <a:pPr marL="0" marR="0" lvl="0" indent="0" algn="l" rtl="0">
-              <a:lnSpc>
-                <a:spcPct val="100000"/>
-              </a:lnSpc>
-              <a:spcBef>
-                <a:spcPts val="0"/>
-              </a:spcBef>
-              <a:spcAft>
-                <a:spcPts val="0"/>
-              </a:spcAft>
-              <a:buNone/>
-            </a:pPr>
-            <a:r>
-              <a:rPr lang="en" sz="1200" b="1">
-                <a:solidFill>
-                  <a:srgbClr val="FF0000"/>
-                </a:solidFill>
-                <a:latin typeface="Calibri"/>
-                <a:ea typeface="Calibri"/>
-                <a:cs typeface="Calibri"/>
-                <a:sym typeface="Calibri"/>
-              </a:rPr>
               <a:t>Salesforce SFR Deep Research</a:t>
             </a:r>
             <a:endParaRPr sz="1200" b="1">
@@ -20552,7 +20632,7 @@
         </p:nvSpPr>
         <p:spPr>
           <a:xfrm>
-            <a:off x="55075" y="3131158"/>
+            <a:off x="55075" y="4589433"/>
             <a:ext cx="4387500" cy="387900"/>
           </a:xfrm>
           <a:prstGeom prst="rect">
@@ -20674,7 +20754,7 @@
         </p:blipFill>
         <p:spPr>
           <a:xfrm>
-            <a:off x="5397425" y="259125"/>
+            <a:off x="4663200" y="101075"/>
             <a:ext cx="3330100" cy="1095425"/>
           </a:xfrm>
           <a:prstGeom prst="rect">
@@ -20713,8 +20793,8 @@
         </p:blipFill>
         <p:spPr>
           <a:xfrm>
-            <a:off x="5939750" y="1472175"/>
-            <a:ext cx="2403121" cy="995125"/>
+            <a:off x="5444077" y="1557926"/>
+            <a:ext cx="1797050" cy="744150"/>
           </a:xfrm>
           <a:prstGeom prst="rect">
             <a:avLst/>
@@ -20752,7 +20832,7 @@
         </p:blipFill>
         <p:spPr>
           <a:xfrm>
-            <a:off x="5841600" y="2630425"/>
+            <a:off x="5784800" y="2544225"/>
             <a:ext cx="2713025" cy="1188850"/>
           </a:xfrm>
           <a:prstGeom prst="rect">
@@ -20770,6 +20850,72 @@
           </a:ln>
         </p:spPr>
       </p:pic>
+      <p:pic>
+        <p:nvPicPr>
+          <p:cNvPr id="285" name="Google Shape;285;p29"/>
+          <p:cNvPicPr preferRelativeResize="0"/>
+          <p:nvPr/>
+        </p:nvPicPr>
+        <p:blipFill>
+          <a:blip r:embed="rId6" cstate="email">
+            <a:alphaModFix/>
+            <a:extLst>
+              <a:ext uri="{28A0092B-C50C-407E-A947-70E740481C1C}">
+                <a14:useLocalDpi xmlns:a14="http://schemas.microsoft.com/office/drawing/2010/main"/>
+              </a:ext>
+            </a:extLst>
+          </a:blip>
+          <a:stretch>
+            <a:fillRect/>
+          </a:stretch>
+        </p:blipFill>
+        <p:spPr>
+          <a:xfrm>
+            <a:off x="4732385" y="4589418"/>
+            <a:ext cx="1561990" cy="387900"/>
+          </a:xfrm>
+          <a:prstGeom prst="rect">
+            <a:avLst/>
+          </a:prstGeom>
+          <a:noFill/>
+          <a:ln>
+            <a:noFill/>
+          </a:ln>
+        </p:spPr>
+      </p:pic>
+      <p:pic>
+        <p:nvPicPr>
+          <p:cNvPr id="286" name="Google Shape;286;p29"/>
+          <p:cNvPicPr preferRelativeResize="0"/>
+          <p:nvPr/>
+        </p:nvPicPr>
+        <p:blipFill>
+          <a:blip r:embed="rId7" cstate="email">
+            <a:alphaModFix/>
+            <a:extLst>
+              <a:ext uri="{28A0092B-C50C-407E-A947-70E740481C1C}">
+                <a14:useLocalDpi xmlns:a14="http://schemas.microsoft.com/office/drawing/2010/main"/>
+              </a:ext>
+            </a:extLst>
+          </a:blip>
+          <a:stretch>
+            <a:fillRect/>
+          </a:stretch>
+        </p:blipFill>
+        <p:spPr>
+          <a:xfrm>
+            <a:off x="4558238" y="3643325"/>
+            <a:ext cx="1167700" cy="819125"/>
+          </a:xfrm>
+          <a:prstGeom prst="rect">
+            <a:avLst/>
+          </a:prstGeom>
+          <a:noFill/>
+          <a:ln>
+            <a:noFill/>
+          </a:ln>
+        </p:spPr>
+      </p:pic>
     </p:spTree>
   </p:cSld>
   <p:clrMapOvr>
@@ -20783,7 +20929,7 @@
   <p:cSld>
     <p:spTree>
       <p:nvGrpSpPr>
-        <p:cNvPr id="1" name="Shape 288"/>
+        <p:cNvPr id="1" name="Shape 290"/>
         <p:cNvGrpSpPr/>
         <p:nvPr/>
       </p:nvGrpSpPr>
@@ -20797,7 +20943,7 @@
       </p:grpSpPr>
       <p:sp>
         <p:nvSpPr>
-          <p:cNvPr id="289" name="Google Shape;289;p30"/>
+          <p:cNvPr id="291" name="Google Shape;291;p30"/>
           <p:cNvSpPr txBox="1"/>
           <p:nvPr/>
         </p:nvSpPr>
@@ -20863,7 +21009,7 @@
       </p:sp>
       <p:sp>
         <p:nvSpPr>
-          <p:cNvPr id="290" name="Google Shape;290;p30"/>
+          <p:cNvPr id="292" name="Google Shape;292;p30"/>
           <p:cNvSpPr txBox="1"/>
           <p:nvPr/>
         </p:nvSpPr>
@@ -21248,7 +21394,7 @@
       </p:sp>
       <p:pic>
         <p:nvPicPr>
-          <p:cNvPr id="291" name="Google Shape;291;p30"/>
+          <p:cNvPr id="293" name="Google Shape;293;p30"/>
           <p:cNvPicPr preferRelativeResize="0"/>
           <p:nvPr/>
         </p:nvPicPr>
@@ -21276,7 +21422,7 @@
       </p:pic>
       <p:pic>
         <p:nvPicPr>
-          <p:cNvPr id="292" name="Google Shape;292;p30"/>
+          <p:cNvPr id="294" name="Google Shape;294;p30"/>
           <p:cNvPicPr preferRelativeResize="0"/>
           <p:nvPr/>
         </p:nvPicPr>
@@ -21304,7 +21450,7 @@
       </p:pic>
       <p:pic>
         <p:nvPicPr>
-          <p:cNvPr id="293" name="Google Shape;293;p30"/>
+          <p:cNvPr id="295" name="Google Shape;295;p30"/>
           <p:cNvPicPr preferRelativeResize="0"/>
           <p:nvPr/>
         </p:nvPicPr>
@@ -21348,7 +21494,7 @@
   <p:cSld>
     <p:spTree>
       <p:nvGrpSpPr>
-        <p:cNvPr id="1" name="Shape 297"/>
+        <p:cNvPr id="1" name="Shape 299"/>
         <p:cNvGrpSpPr/>
         <p:nvPr/>
       </p:nvGrpSpPr>
@@ -21362,7 +21508,7 @@
       </p:grpSpPr>
       <p:sp>
         <p:nvSpPr>
-          <p:cNvPr id="298" name="Google Shape;298;p31"/>
+          <p:cNvPr id="300" name="Google Shape;300;p31"/>
           <p:cNvSpPr txBox="1"/>
           <p:nvPr/>
         </p:nvSpPr>
@@ -21428,7 +21574,7 @@
       </p:sp>
       <p:sp>
         <p:nvSpPr>
-          <p:cNvPr id="299" name="Google Shape;299;p31"/>
+          <p:cNvPr id="301" name="Google Shape;301;p31"/>
           <p:cNvSpPr txBox="1"/>
           <p:nvPr/>
         </p:nvSpPr>
@@ -22026,7 +22172,7 @@
       </p:sp>
       <p:pic>
         <p:nvPicPr>
-          <p:cNvPr id="300" name="Google Shape;300;p31"/>
+          <p:cNvPr id="302" name="Google Shape;302;p31"/>
           <p:cNvPicPr preferRelativeResize="0"/>
           <p:nvPr/>
         </p:nvPicPr>
@@ -22059,7 +22205,7 @@
       </p:pic>
       <p:pic>
         <p:nvPicPr>
-          <p:cNvPr id="301" name="Google Shape;301;p31"/>
+          <p:cNvPr id="303" name="Google Shape;303;p31"/>
           <p:cNvPicPr preferRelativeResize="0"/>
           <p:nvPr/>
         </p:nvPicPr>
@@ -22103,7 +22249,7 @@
   <p:cSld>
     <p:spTree>
       <p:nvGrpSpPr>
-        <p:cNvPr id="1" name="Shape 305"/>
+        <p:cNvPr id="1" name="Shape 307"/>
         <p:cNvGrpSpPr/>
         <p:nvPr/>
       </p:nvGrpSpPr>
@@ -22117,7 +22263,7 @@
       </p:grpSpPr>
       <p:sp>
         <p:nvSpPr>
-          <p:cNvPr id="306" name="Google Shape;306;p32"/>
+          <p:cNvPr id="308" name="Google Shape;308;p32"/>
           <p:cNvSpPr txBox="1"/>
           <p:nvPr/>
         </p:nvSpPr>
@@ -22183,7 +22329,7 @@
       </p:sp>
       <p:sp>
         <p:nvSpPr>
-          <p:cNvPr id="307" name="Google Shape;307;p32"/>
+          <p:cNvPr id="309" name="Google Shape;309;p32"/>
           <p:cNvSpPr txBox="1"/>
           <p:nvPr/>
         </p:nvSpPr>
@@ -22497,7 +22643,7 @@
       </p:sp>
       <p:sp>
         <p:nvSpPr>
-          <p:cNvPr id="308" name="Google Shape;308;p32"/>
+          <p:cNvPr id="310" name="Google Shape;310;p32"/>
           <p:cNvSpPr txBox="1"/>
           <p:nvPr/>
         </p:nvSpPr>
@@ -22651,7 +22797,7 @@
       </p:sp>
       <p:sp>
         <p:nvSpPr>
-          <p:cNvPr id="309" name="Google Shape;309;p32"/>
+          <p:cNvPr id="311" name="Google Shape;311;p32"/>
           <p:cNvSpPr txBox="1"/>
           <p:nvPr/>
         </p:nvSpPr>
@@ -22805,7 +22951,7 @@
       </p:sp>
       <p:pic>
         <p:nvPicPr>
-          <p:cNvPr id="310" name="Google Shape;310;p32"/>
+          <p:cNvPr id="312" name="Google Shape;312;p32"/>
           <p:cNvPicPr preferRelativeResize="0"/>
           <p:nvPr/>
         </p:nvPicPr>
@@ -22844,7 +22990,7 @@
       </p:pic>
       <p:pic>
         <p:nvPicPr>
-          <p:cNvPr id="311" name="Google Shape;311;p32"/>
+          <p:cNvPr id="313" name="Google Shape;313;p32"/>
           <p:cNvPicPr preferRelativeResize="0"/>
           <p:nvPr/>
         </p:nvPicPr>
@@ -22894,7 +23040,7 @@
   <p:cSld>
     <p:spTree>
       <p:nvGrpSpPr>
-        <p:cNvPr id="1" name="Shape 315"/>
+        <p:cNvPr id="1" name="Shape 317"/>
         <p:cNvGrpSpPr/>
         <p:nvPr/>
       </p:nvGrpSpPr>
@@ -22908,7 +23054,7 @@
       </p:grpSpPr>
       <p:sp>
         <p:nvSpPr>
-          <p:cNvPr id="316" name="Google Shape;316;p33"/>
+          <p:cNvPr id="318" name="Google Shape;318;p33"/>
           <p:cNvSpPr txBox="1"/>
           <p:nvPr/>
         </p:nvSpPr>
@@ -22974,7 +23120,7 @@
       </p:sp>
       <p:sp>
         <p:nvSpPr>
-          <p:cNvPr id="317" name="Google Shape;317;p33"/>
+          <p:cNvPr id="319" name="Google Shape;319;p33"/>
           <p:cNvSpPr txBox="1"/>
           <p:nvPr/>
         </p:nvSpPr>
@@ -23348,7 +23494,7 @@
       </p:sp>
       <p:sp>
         <p:nvSpPr>
-          <p:cNvPr id="318" name="Google Shape;318;p33"/>
+          <p:cNvPr id="320" name="Google Shape;320;p33"/>
           <p:cNvSpPr txBox="1"/>
           <p:nvPr/>
         </p:nvSpPr>
@@ -23502,7 +23648,7 @@
       </p:sp>
       <p:pic>
         <p:nvPicPr>
-          <p:cNvPr id="319" name="Google Shape;319;p33"/>
+          <p:cNvPr id="321" name="Google Shape;321;p33"/>
           <p:cNvPicPr preferRelativeResize="0"/>
           <p:nvPr/>
         </p:nvPicPr>
@@ -23541,7 +23687,7 @@
       </p:pic>
       <p:pic>
         <p:nvPicPr>
-          <p:cNvPr id="320" name="Google Shape;320;p33"/>
+          <p:cNvPr id="322" name="Google Shape;322;p33"/>
           <p:cNvPicPr preferRelativeResize="0"/>
           <p:nvPr/>
         </p:nvPicPr>
@@ -24149,7 +24295,7 @@
   <p:cSld>
     <p:spTree>
       <p:nvGrpSpPr>
-        <p:cNvPr id="1" name="Shape 324"/>
+        <p:cNvPr id="1" name="Shape 326"/>
         <p:cNvGrpSpPr/>
         <p:nvPr/>
       </p:nvGrpSpPr>
@@ -24163,7 +24309,7 @@
       </p:grpSpPr>
       <p:sp>
         <p:nvSpPr>
-          <p:cNvPr id="325" name="Google Shape;325;p34"/>
+          <p:cNvPr id="327" name="Google Shape;327;p34"/>
           <p:cNvSpPr txBox="1"/>
           <p:nvPr/>
         </p:nvSpPr>
@@ -24229,7 +24375,7 @@
       </p:sp>
       <p:sp>
         <p:nvSpPr>
-          <p:cNvPr id="326" name="Google Shape;326;p34"/>
+          <p:cNvPr id="328" name="Google Shape;328;p34"/>
           <p:cNvSpPr txBox="1"/>
           <p:nvPr/>
         </p:nvSpPr>
@@ -24662,7 +24808,7 @@
       </p:sp>
       <p:pic>
         <p:nvPicPr>
-          <p:cNvPr id="327" name="Google Shape;327;p34"/>
+          <p:cNvPr id="329" name="Google Shape;329;p34"/>
           <p:cNvPicPr preferRelativeResize="0"/>
           <p:nvPr/>
         </p:nvPicPr>
@@ -24701,7 +24847,7 @@
       </p:pic>
       <p:sp>
         <p:nvSpPr>
-          <p:cNvPr id="328" name="Google Shape;328;p34"/>
+          <p:cNvPr id="330" name="Google Shape;330;p34"/>
           <p:cNvSpPr txBox="1"/>
           <p:nvPr/>
         </p:nvSpPr>
@@ -24793,7 +24939,7 @@
   <p:cSld>
     <p:spTree>
       <p:nvGrpSpPr>
-        <p:cNvPr id="1" name="Shape 332"/>
+        <p:cNvPr id="1" name="Shape 334"/>
         <p:cNvGrpSpPr/>
         <p:nvPr/>
       </p:nvGrpSpPr>
@@ -24807,7 +24953,7 @@
       </p:grpSpPr>
       <p:sp>
         <p:nvSpPr>
-          <p:cNvPr id="333" name="Google Shape;333;p35"/>
+          <p:cNvPr id="335" name="Google Shape;335;p35"/>
           <p:cNvSpPr txBox="1"/>
           <p:nvPr/>
         </p:nvSpPr>
@@ -24873,7 +25019,7 @@
       </p:sp>
       <p:sp>
         <p:nvSpPr>
-          <p:cNvPr id="334" name="Google Shape;334;p35"/>
+          <p:cNvPr id="336" name="Google Shape;336;p35"/>
           <p:cNvSpPr txBox="1"/>
           <p:nvPr/>
         </p:nvSpPr>
@@ -24971,7 +25117,7 @@
       </p:sp>
       <p:sp>
         <p:nvSpPr>
-          <p:cNvPr id="335" name="Google Shape;335;p35"/>
+          <p:cNvPr id="337" name="Google Shape;337;p35"/>
           <p:cNvSpPr txBox="1"/>
           <p:nvPr/>
         </p:nvSpPr>
@@ -25723,7 +25869,7 @@
       </p:sp>
       <p:pic>
         <p:nvPicPr>
-          <p:cNvPr id="336" name="Google Shape;336;p35"/>
+          <p:cNvPr id="338" name="Google Shape;338;p35"/>
           <p:cNvPicPr preferRelativeResize="0"/>
           <p:nvPr/>
         </p:nvPicPr>
@@ -25762,7 +25908,7 @@
       </p:pic>
       <p:pic>
         <p:nvPicPr>
-          <p:cNvPr id="337" name="Google Shape;337;p35"/>
+          <p:cNvPr id="339" name="Google Shape;339;p35"/>
           <p:cNvPicPr preferRelativeResize="0"/>
           <p:nvPr/>
         </p:nvPicPr>
@@ -25795,7 +25941,7 @@
       </p:pic>
       <p:sp>
         <p:nvSpPr>
-          <p:cNvPr id="338" name="Google Shape;338;p35"/>
+          <p:cNvPr id="340" name="Google Shape;340;p35"/>
           <p:cNvSpPr txBox="1"/>
           <p:nvPr/>
         </p:nvSpPr>
@@ -26025,7 +26171,7 @@
   <p:cSld>
     <p:spTree>
       <p:nvGrpSpPr>
-        <p:cNvPr id="1" name="Shape 342"/>
+        <p:cNvPr id="1" name="Shape 344"/>
         <p:cNvGrpSpPr/>
         <p:nvPr/>
       </p:nvGrpSpPr>
@@ -26039,7 +26185,7 @@
       </p:grpSpPr>
       <p:sp>
         <p:nvSpPr>
-          <p:cNvPr id="343" name="Google Shape;343;p36"/>
+          <p:cNvPr id="345" name="Google Shape;345;p36"/>
           <p:cNvSpPr txBox="1"/>
           <p:nvPr/>
         </p:nvSpPr>
@@ -26105,7 +26251,7 @@
       </p:sp>
       <p:sp>
         <p:nvSpPr>
-          <p:cNvPr id="344" name="Google Shape;344;p36"/>
+          <p:cNvPr id="346" name="Google Shape;346;p36"/>
           <p:cNvSpPr txBox="1"/>
           <p:nvPr/>
         </p:nvSpPr>
@@ -26874,7 +27020,7 @@
       </p:sp>
       <p:pic>
         <p:nvPicPr>
-          <p:cNvPr id="345" name="Google Shape;345;p36"/>
+          <p:cNvPr id="347" name="Google Shape;347;p36"/>
           <p:cNvPicPr preferRelativeResize="0"/>
           <p:nvPr/>
         </p:nvPicPr>
@@ -26913,7 +27059,7 @@
   <p:cSld>
     <p:spTree>
       <p:nvGrpSpPr>
-        <p:cNvPr id="1" name="Shape 349"/>
+        <p:cNvPr id="1" name="Shape 351"/>
         <p:cNvGrpSpPr/>
         <p:nvPr/>
       </p:nvGrpSpPr>
@@ -26927,7 +27073,7 @@
       </p:grpSpPr>
       <p:sp>
         <p:nvSpPr>
-          <p:cNvPr id="350" name="Google Shape;350;p37"/>
+          <p:cNvPr id="352" name="Google Shape;352;p37"/>
           <p:cNvSpPr txBox="1"/>
           <p:nvPr/>
         </p:nvSpPr>
@@ -26993,7 +27139,7 @@
       </p:sp>
       <p:sp>
         <p:nvSpPr>
-          <p:cNvPr id="351" name="Google Shape;351;p37"/>
+          <p:cNvPr id="353" name="Google Shape;353;p37"/>
           <p:cNvSpPr txBox="1"/>
           <p:nvPr/>
         </p:nvSpPr>
@@ -27240,7 +27386,7 @@
       </p:sp>
       <p:pic>
         <p:nvPicPr>
-          <p:cNvPr id="352" name="Google Shape;352;p37"/>
+          <p:cNvPr id="354" name="Google Shape;354;p37"/>
           <p:cNvPicPr preferRelativeResize="0"/>
           <p:nvPr/>
         </p:nvPicPr>
@@ -27279,7 +27425,7 @@
       </p:pic>
       <p:sp>
         <p:nvSpPr>
-          <p:cNvPr id="353" name="Google Shape;353;p37"/>
+          <p:cNvPr id="355" name="Google Shape;355;p37"/>
           <p:cNvSpPr txBox="1"/>
           <p:nvPr/>
         </p:nvSpPr>
@@ -27444,7 +27590,7 @@
   <p:cSld>
     <p:spTree>
       <p:nvGrpSpPr>
-        <p:cNvPr id="1" name="Shape 357"/>
+        <p:cNvPr id="1" name="Shape 359"/>
         <p:cNvGrpSpPr/>
         <p:nvPr/>
       </p:nvGrpSpPr>
@@ -27458,7 +27604,7 @@
       </p:grpSpPr>
       <p:sp>
         <p:nvSpPr>
-          <p:cNvPr id="358" name="Google Shape;358;p38"/>
+          <p:cNvPr id="360" name="Google Shape;360;p38"/>
           <p:cNvSpPr txBox="1"/>
           <p:nvPr/>
         </p:nvSpPr>
@@ -27524,7 +27670,7 @@
       </p:sp>
       <p:sp>
         <p:nvSpPr>
-          <p:cNvPr id="359" name="Google Shape;359;p38"/>
+          <p:cNvPr id="361" name="Google Shape;361;p38"/>
           <p:cNvSpPr txBox="1"/>
           <p:nvPr/>
         </p:nvSpPr>
@@ -27806,7 +27952,7 @@
       </p:sp>
       <p:pic>
         <p:nvPicPr>
-          <p:cNvPr id="360" name="Google Shape;360;p38"/>
+          <p:cNvPr id="362" name="Google Shape;362;p38"/>
           <p:cNvPicPr preferRelativeResize="0"/>
           <p:nvPr/>
         </p:nvPicPr>
@@ -27845,7 +27991,7 @@
       </p:pic>
       <p:sp>
         <p:nvSpPr>
-          <p:cNvPr id="361" name="Google Shape;361;p38"/>
+          <p:cNvPr id="363" name="Google Shape;363;p38"/>
           <p:cNvSpPr txBox="1"/>
           <p:nvPr/>
         </p:nvSpPr>
@@ -28087,7 +28233,7 @@
       </p:sp>
       <p:sp>
         <p:nvSpPr>
-          <p:cNvPr id="362" name="Google Shape;362;p38"/>
+          <p:cNvPr id="364" name="Google Shape;364;p38"/>
           <p:cNvSpPr txBox="1"/>
           <p:nvPr/>
         </p:nvSpPr>
@@ -28293,7 +28439,7 @@
       </p:sp>
       <p:sp>
         <p:nvSpPr>
-          <p:cNvPr id="363" name="Google Shape;363;p38"/>
+          <p:cNvPr id="365" name="Google Shape;365;p38"/>
           <p:cNvSpPr txBox="1"/>
           <p:nvPr/>
         </p:nvSpPr>
@@ -28379,7 +28525,7 @@
       </p:sp>
       <p:pic>
         <p:nvPicPr>
-          <p:cNvPr id="364" name="Google Shape;364;p38"/>
+          <p:cNvPr id="366" name="Google Shape;366;p38"/>
           <p:cNvPicPr preferRelativeResize="0"/>
           <p:nvPr/>
         </p:nvPicPr>
@@ -28428,7 +28574,7 @@
   <p:cSld>
     <p:spTree>
       <p:nvGrpSpPr>
-        <p:cNvPr id="1" name="Shape 368"/>
+        <p:cNvPr id="1" name="Shape 370"/>
         <p:cNvGrpSpPr/>
         <p:nvPr/>
       </p:nvGrpSpPr>
@@ -28442,7 +28588,7 @@
       </p:grpSpPr>
       <p:sp>
         <p:nvSpPr>
-          <p:cNvPr id="369" name="Google Shape;369;p39"/>
+          <p:cNvPr id="371" name="Google Shape;371;p39"/>
           <p:cNvSpPr txBox="1"/>
           <p:nvPr/>
         </p:nvSpPr>
@@ -28508,7 +28654,7 @@
       </p:sp>
       <p:sp>
         <p:nvSpPr>
-          <p:cNvPr id="370" name="Google Shape;370;p39"/>
+          <p:cNvPr id="372" name="Google Shape;372;p39"/>
           <p:cNvSpPr txBox="1"/>
           <p:nvPr/>
         </p:nvSpPr>
@@ -28922,7 +29068,7 @@
       </p:sp>
       <p:pic>
         <p:nvPicPr>
-          <p:cNvPr id="371" name="Google Shape;371;p39"/>
+          <p:cNvPr id="373" name="Google Shape;373;p39"/>
           <p:cNvPicPr preferRelativeResize="0"/>
           <p:nvPr/>
         </p:nvPicPr>
@@ -28972,7 +29118,7 @@
   <p:cSld>
     <p:spTree>
       <p:nvGrpSpPr>
-        <p:cNvPr id="1" name="Shape 375"/>
+        <p:cNvPr id="1" name="Shape 377"/>
         <p:cNvGrpSpPr/>
         <p:nvPr/>
       </p:nvGrpSpPr>
@@ -28986,7 +29132,7 @@
       </p:grpSpPr>
       <p:sp>
         <p:nvSpPr>
-          <p:cNvPr id="376" name="Google Shape;376;p40"/>
+          <p:cNvPr id="378" name="Google Shape;378;p40"/>
           <p:cNvSpPr txBox="1"/>
           <p:nvPr/>
         </p:nvSpPr>
@@ -29052,7 +29198,7 @@
       </p:sp>
       <p:sp>
         <p:nvSpPr>
-          <p:cNvPr id="377" name="Google Shape;377;p40"/>
+          <p:cNvPr id="379" name="Google Shape;379;p40"/>
           <p:cNvSpPr txBox="1"/>
           <p:nvPr/>
         </p:nvSpPr>
@@ -29473,7 +29619,7 @@
       </p:sp>
       <p:sp>
         <p:nvSpPr>
-          <p:cNvPr id="378" name="Google Shape;378;p40"/>
+          <p:cNvPr id="380" name="Google Shape;380;p40"/>
           <p:cNvSpPr txBox="1"/>
           <p:nvPr/>
         </p:nvSpPr>
@@ -29825,7 +29971,7 @@
   <p:cSld>
     <p:spTree>
       <p:nvGrpSpPr>
-        <p:cNvPr id="1" name="Shape 382"/>
+        <p:cNvPr id="1" name="Shape 384"/>
         <p:cNvGrpSpPr/>
         <p:nvPr/>
       </p:nvGrpSpPr>
@@ -29839,7 +29985,7 @@
       </p:grpSpPr>
       <p:sp>
         <p:nvSpPr>
-          <p:cNvPr id="383" name="Google Shape;383;p41"/>
+          <p:cNvPr id="385" name="Google Shape;385;p41"/>
           <p:cNvSpPr txBox="1"/>
           <p:nvPr/>
         </p:nvSpPr>
@@ -29905,7 +30051,7 @@
       </p:sp>
       <p:sp>
         <p:nvSpPr>
-          <p:cNvPr id="384" name="Google Shape;384;p41"/>
+          <p:cNvPr id="386" name="Google Shape;386;p41"/>
           <p:cNvSpPr txBox="1"/>
           <p:nvPr/>
         </p:nvSpPr>
@@ -30443,7 +30589,7 @@
       </p:sp>
       <p:sp>
         <p:nvSpPr>
-          <p:cNvPr id="385" name="Google Shape;385;p41"/>
+          <p:cNvPr id="387" name="Google Shape;387;p41"/>
           <p:cNvSpPr txBox="1"/>
           <p:nvPr/>
         </p:nvSpPr>
@@ -30636,9 +30782,9 @@
               <a:buChar char="●"/>
             </a:pPr>
             <a:r>
-              <a:rPr lang="en" sz="1000">
-                <a:solidFill>
-                  <a:schemeClr val="dk1"/>
+              <a:rPr lang="en" sz="1000" b="1">
+                <a:solidFill>
+                  <a:srgbClr val="FF0000"/>
                 </a:solidFill>
                 <a:latin typeface="Calibri"/>
                 <a:ea typeface="Calibri"/>
@@ -30914,7 +31060,7 @@
       </p:sp>
       <p:pic>
         <p:nvPicPr>
-          <p:cNvPr id="386" name="Google Shape;386;p41"/>
+          <p:cNvPr id="388" name="Google Shape;388;p41"/>
           <p:cNvPicPr preferRelativeResize="0"/>
           <p:nvPr/>
         </p:nvPicPr>
@@ -30933,7 +31079,7 @@
         </p:blipFill>
         <p:spPr>
           <a:xfrm>
-            <a:off x="8162257" y="38101"/>
+            <a:off x="8095890" y="38101"/>
             <a:ext cx="823625" cy="960126"/>
           </a:xfrm>
           <a:prstGeom prst="rect">
@@ -30964,7 +31110,7 @@
   <p:cSld>
     <p:spTree>
       <p:nvGrpSpPr>
-        <p:cNvPr id="1" name="Shape 390"/>
+        <p:cNvPr id="1" name="Shape 392"/>
         <p:cNvGrpSpPr/>
         <p:nvPr/>
       </p:nvGrpSpPr>
@@ -30978,7 +31124,7 @@
       </p:grpSpPr>
       <p:sp>
         <p:nvSpPr>
-          <p:cNvPr id="391" name="Google Shape;391;p42"/>
+          <p:cNvPr id="393" name="Google Shape;393;p42"/>
           <p:cNvSpPr txBox="1"/>
           <p:nvPr/>
         </p:nvSpPr>
@@ -31044,7 +31190,7 @@
       </p:sp>
       <p:sp>
         <p:nvSpPr>
-          <p:cNvPr id="392" name="Google Shape;392;p42"/>
+          <p:cNvPr id="394" name="Google Shape;394;p42"/>
           <p:cNvSpPr txBox="1"/>
           <p:nvPr/>
         </p:nvSpPr>
@@ -31172,7 +31318,7 @@
       </p:sp>
       <p:sp>
         <p:nvSpPr>
-          <p:cNvPr id="393" name="Google Shape;393;p42"/>
+          <p:cNvPr id="395" name="Google Shape;395;p42"/>
           <p:cNvSpPr txBox="1"/>
           <p:nvPr/>
         </p:nvSpPr>
@@ -31419,7 +31565,7 @@
       </p:sp>
       <p:sp>
         <p:nvSpPr>
-          <p:cNvPr id="394" name="Google Shape;394;p42"/>
+          <p:cNvPr id="396" name="Google Shape;396;p42"/>
           <p:cNvSpPr txBox="1"/>
           <p:nvPr/>
         </p:nvSpPr>
@@ -31592,7 +31738,7 @@
       </p:sp>
       <p:pic>
         <p:nvPicPr>
-          <p:cNvPr id="395" name="Google Shape;395;p42"/>
+          <p:cNvPr id="397" name="Google Shape;397;p42"/>
           <p:cNvPicPr preferRelativeResize="0"/>
           <p:nvPr/>
         </p:nvPicPr>
@@ -31631,7 +31777,7 @@
       </p:pic>
       <p:pic>
         <p:nvPicPr>
-          <p:cNvPr id="396" name="Google Shape;396;p42"/>
+          <p:cNvPr id="398" name="Google Shape;398;p42"/>
           <p:cNvPicPr preferRelativeResize="0"/>
           <p:nvPr/>
         </p:nvPicPr>
@@ -31670,7 +31816,7 @@
       </p:pic>
       <p:sp>
         <p:nvSpPr>
-          <p:cNvPr id="397" name="Google Shape;397;p42"/>
+          <p:cNvPr id="399" name="Google Shape;399;p42"/>
           <p:cNvSpPr txBox="1"/>
           <p:nvPr/>
         </p:nvSpPr>
@@ -32052,7 +32198,7 @@
   <p:cSld>
     <p:spTree>
       <p:nvGrpSpPr>
-        <p:cNvPr id="1" name="Shape 401"/>
+        <p:cNvPr id="1" name="Shape 403"/>
         <p:cNvGrpSpPr/>
         <p:nvPr/>
       </p:nvGrpSpPr>
@@ -32066,7 +32212,7 @@
       </p:grpSpPr>
       <p:pic>
         <p:nvPicPr>
-          <p:cNvPr id="402" name="Google Shape;402;p43"/>
+          <p:cNvPr id="404" name="Google Shape;404;p43"/>
           <p:cNvPicPr preferRelativeResize="0"/>
           <p:nvPr/>
         </p:nvPicPr>
@@ -32098,7 +32244,7 @@
       </p:pic>
       <p:sp>
         <p:nvSpPr>
-          <p:cNvPr id="403" name="Google Shape;403;p43"/>
+          <p:cNvPr id="405" name="Google Shape;405;p43"/>
           <p:cNvSpPr txBox="1"/>
           <p:nvPr/>
         </p:nvSpPr>
@@ -32164,7 +32310,7 @@
       </p:sp>
       <p:sp>
         <p:nvSpPr>
-          <p:cNvPr id="404" name="Google Shape;404;p43"/>
+          <p:cNvPr id="406" name="Google Shape;406;p43"/>
           <p:cNvSpPr txBox="1"/>
           <p:nvPr/>
         </p:nvSpPr>
@@ -32594,7 +32740,7 @@
       </p:sp>
       <p:pic>
         <p:nvPicPr>
-          <p:cNvPr id="405" name="Google Shape;405;p43"/>
+          <p:cNvPr id="407" name="Google Shape;407;p43"/>
           <p:cNvPicPr preferRelativeResize="0"/>
           <p:nvPr/>
         </p:nvPicPr>
@@ -32626,7 +32772,7 @@
       </p:pic>
       <p:sp>
         <p:nvSpPr>
-          <p:cNvPr id="406" name="Google Shape;406;p43"/>
+          <p:cNvPr id="408" name="Google Shape;408;p43"/>
           <p:cNvSpPr txBox="1"/>
           <p:nvPr/>
         </p:nvSpPr>
@@ -32705,7 +32851,7 @@
       </p:sp>
       <p:sp>
         <p:nvSpPr>
-          <p:cNvPr id="407" name="Google Shape;407;p43"/>
+          <p:cNvPr id="409" name="Google Shape;409;p43"/>
           <p:cNvSpPr txBox="1"/>
           <p:nvPr/>
         </p:nvSpPr>
@@ -37685,14 +37831,14 @@
         </p:nvGraphicFramePr>
         <p:xfrm>
           <a:off x="691575" y="566481"/>
-          <a:ext cx="2318575" cy="4315625"/>
+          <a:ext cx="3000000" cy="3000000"/>
         </p:xfrm>
         <a:graphic>
           <a:graphicData uri="http://schemas.openxmlformats.org/drawingml/2006/table">
             <a:tbl>
               <a:tblPr>
                 <a:noFill/>
-                <a:tableStyleId>{EBB1339B-AAF9-47B1-A9CB-317EB3F925A0}</a:tableStyleId>
+                <a:tableStyleId>{0ABDDB4B-D78D-4817-B58D-C5F5D09DF990}</a:tableStyleId>
               </a:tblPr>
               <a:tblGrid>
                 <a:gridCol w="1996250">
@@ -42003,14 +42149,14 @@
         </p:nvGraphicFramePr>
         <p:xfrm>
           <a:off x="3816083" y="568230"/>
-          <a:ext cx="2124075" cy="4251325"/>
+          <a:ext cx="3000000" cy="3000000"/>
         </p:xfrm>
         <a:graphic>
           <a:graphicData uri="http://schemas.openxmlformats.org/drawingml/2006/table">
             <a:tbl>
               <a:tblPr>
                 <a:noFill/>
-                <a:tableStyleId>{EBB1339B-AAF9-47B1-A9CB-317EB3F925A0}</a:tableStyleId>
+                <a:tableStyleId>{0ABDDB4B-D78D-4817-B58D-C5F5D09DF990}</a:tableStyleId>
               </a:tblPr>
               <a:tblGrid>
                 <a:gridCol w="1828800">
@@ -47520,7 +47666,7 @@
   <p:cSld>
     <p:spTree>
       <p:nvGrpSpPr>
-        <p:cNvPr id="1" name="Shape 411"/>
+        <p:cNvPr id="1" name="Shape 413"/>
         <p:cNvGrpSpPr/>
         <p:nvPr/>
       </p:nvGrpSpPr>
@@ -47534,7 +47680,7 @@
       </p:grpSpPr>
       <p:sp>
         <p:nvSpPr>
-          <p:cNvPr id="412" name="Google Shape;412;p44"/>
+          <p:cNvPr id="414" name="Google Shape;414;p44"/>
           <p:cNvSpPr txBox="1"/>
           <p:nvPr/>
         </p:nvSpPr>
@@ -48083,7 +48229,7 @@
             <a:tbl>
               <a:tblPr>
                 <a:noFill/>
-                <a:tableStyleId>{79A6FB88-2F7B-4211-850D-2E057F1CEE69}</a:tableStyleId>
+                <a:tableStyleId>{23E94B72-B258-4351-AD0B-176CB3083916}</a:tableStyleId>
               </a:tblPr>
               <a:tblGrid>
                 <a:gridCol w="1141175">
